--- a/presentation/webinar_python_SQL_presentation.pptx
+++ b/presentation/webinar_python_SQL_presentation.pptx
@@ -5,7 +5,7 @@
     <p:sldMasterId id="2147483660" r:id="rId1"/>
   </p:sldMasterIdLst>
   <p:notesMasterIdLst>
-    <p:notesMasterId r:id="rId19"/>
+    <p:notesMasterId r:id="rId20"/>
   </p:notesMasterIdLst>
   <p:sldIdLst>
     <p:sldId id="439" r:id="rId2"/>
@@ -24,7 +24,8 @@
     <p:sldId id="649" r:id="rId15"/>
     <p:sldId id="650" r:id="rId16"/>
     <p:sldId id="438" r:id="rId17"/>
-    <p:sldId id="639" r:id="rId18"/>
+    <p:sldId id="651" r:id="rId18"/>
+    <p:sldId id="639" r:id="rId19"/>
   </p:sldIdLst>
   <p:sldSz cx="12192000" cy="6858000"/>
   <p:notesSz cx="6858000" cy="9144000"/>
@@ -144,6 +145,7 @@
             <p14:sldId id="649"/>
             <p14:sldId id="650"/>
             <p14:sldId id="438"/>
+            <p14:sldId id="651"/>
             <p14:sldId id="639"/>
           </p14:sldIdLst>
         </p14:section>
@@ -254,7 +256,7 @@
             <a:fld id="{39EEAABF-1A21-4BDA-A92C-F0636835B84E}" type="datetimeFigureOut">
               <a:rPr lang="en-US" smtClean="0"/>
               <a:pPr/>
-              <a:t>11/29/2022</a:t>
+              <a:t>11/30/2022</a:t>
             </a:fld>
             <a:endParaRPr lang="en-US" dirty="0"/>
           </a:p>
@@ -1239,6 +1241,95 @@
 </p:notes>
 </file>
 
+<file path=ppt/notesSlides/notesSlide17.xml><?xml version="1.0" encoding="utf-8"?>
+<p:notes xmlns:a="http://schemas.openxmlformats.org/drawingml/2006/main" xmlns:r="http://schemas.openxmlformats.org/officeDocument/2006/relationships" xmlns:p="http://schemas.openxmlformats.org/presentationml/2006/main">
+  <p:cSld>
+    <p:spTree>
+      <p:nvGrpSpPr>
+        <p:cNvPr id="1" name=""/>
+        <p:cNvGrpSpPr/>
+        <p:nvPr/>
+      </p:nvGrpSpPr>
+      <p:grpSpPr>
+        <a:xfrm>
+          <a:off x="0" y="0"/>
+          <a:ext cx="0" cy="0"/>
+          <a:chOff x="0" y="0"/>
+          <a:chExt cx="0" cy="0"/>
+        </a:xfrm>
+      </p:grpSpPr>
+      <p:sp>
+        <p:nvSpPr>
+          <p:cNvPr id="2" name="Образ слайда 1"/>
+          <p:cNvSpPr>
+            <a:spLocks noGrp="1" noRot="1" noChangeAspect="1"/>
+          </p:cNvSpPr>
+          <p:nvPr>
+            <p:ph type="sldImg"/>
+          </p:nvPr>
+        </p:nvSpPr>
+        <p:spPr>
+          <a:xfrm>
+            <a:off x="381000" y="685800"/>
+            <a:ext cx="6096000" cy="3429000"/>
+          </a:xfrm>
+        </p:spPr>
+      </p:sp>
+      <p:sp>
+        <p:nvSpPr>
+          <p:cNvPr id="3" name="Заметки 2"/>
+          <p:cNvSpPr>
+            <a:spLocks noGrp="1"/>
+          </p:cNvSpPr>
+          <p:nvPr>
+            <p:ph type="body" idx="1"/>
+          </p:nvPr>
+        </p:nvSpPr>
+        <p:spPr/>
+        <p:txBody>
+          <a:bodyPr/>
+          <a:lstStyle/>
+          <a:p>
+            <a:endParaRPr lang="ru-RU" dirty="0"/>
+          </a:p>
+        </p:txBody>
+      </p:sp>
+      <p:sp>
+        <p:nvSpPr>
+          <p:cNvPr id="4" name="Номер слайда 3"/>
+          <p:cNvSpPr>
+            <a:spLocks noGrp="1"/>
+          </p:cNvSpPr>
+          <p:nvPr>
+            <p:ph type="sldNum" sz="quarter" idx="10"/>
+          </p:nvPr>
+        </p:nvSpPr>
+        <p:spPr/>
+        <p:txBody>
+          <a:bodyPr/>
+          <a:lstStyle/>
+          <a:p>
+            <a:fld id="{A9257FB8-63EF-4E13-93FB-D2905A6BADA3}" type="slidenum">
+              <a:rPr lang="en-US" smtClean="0"/>
+              <a:t>17</a:t>
+            </a:fld>
+            <a:endParaRPr lang="en-US" dirty="0"/>
+          </a:p>
+        </p:txBody>
+      </p:sp>
+    </p:spTree>
+    <p:extLst>
+      <p:ext uri="{BB962C8B-B14F-4D97-AF65-F5344CB8AC3E}">
+        <p14:creationId xmlns:p14="http://schemas.microsoft.com/office/powerpoint/2010/main" val="2064973774"/>
+      </p:ext>
+    </p:extLst>
+  </p:cSld>
+  <p:clrMapOvr>
+    <a:masterClrMapping/>
+  </p:clrMapOvr>
+</p:notes>
+</file>
+
 <file path=ppt/notesSlides/notesSlide2.xml><?xml version="1.0" encoding="utf-8"?>
 <p:notes xmlns:a="http://schemas.openxmlformats.org/drawingml/2006/main" xmlns:r="http://schemas.openxmlformats.org/officeDocument/2006/relationships" xmlns:p="http://schemas.openxmlformats.org/presentationml/2006/main">
   <p:cSld>
@@ -2130,7 +2221,7 @@
           <a:p>
             <a:fld id="{7138E089-62ED-4B99-9D85-4233106172C3}" type="datetime1">
               <a:rPr lang="ru-RU" smtClean="0"/>
-              <a:t>29.11.2022</a:t>
+              <a:t>30.11.2022</a:t>
             </a:fld>
             <a:endParaRPr lang="ru-RU"/>
           </a:p>
@@ -2302,7 +2393,7 @@
           <a:p>
             <a:fld id="{1C55742B-6A67-44BA-9E65-E8ED5897B169}" type="datetime1">
               <a:rPr lang="ru-RU" smtClean="0"/>
-              <a:t>29.11.2022</a:t>
+              <a:t>30.11.2022</a:t>
             </a:fld>
             <a:endParaRPr lang="ru-RU"/>
           </a:p>
@@ -2484,7 +2575,7 @@
           <a:p>
             <a:fld id="{31D9B4FD-8306-4B74-B1F8-D2E67870986E}" type="datetime1">
               <a:rPr lang="ru-RU" smtClean="0"/>
-              <a:t>29.11.2022</a:t>
+              <a:t>30.11.2022</a:t>
             </a:fld>
             <a:endParaRPr lang="ru-RU"/>
           </a:p>
@@ -2656,7 +2747,7 @@
           <a:p>
             <a:fld id="{32E4D2F2-8EAD-4248-A8AF-937EE57F2432}" type="datetime1">
               <a:rPr lang="ru-RU" smtClean="0"/>
-              <a:t>29.11.2022</a:t>
+              <a:t>30.11.2022</a:t>
             </a:fld>
             <a:endParaRPr lang="ru-RU"/>
           </a:p>
@@ -2905,7 +2996,7 @@
           <a:p>
             <a:fld id="{FB71B655-9686-4700-A3E3-2677DD26807C}" type="datetime1">
               <a:rPr lang="ru-RU" smtClean="0"/>
-              <a:t>29.11.2022</a:t>
+              <a:t>30.11.2022</a:t>
             </a:fld>
             <a:endParaRPr lang="ru-RU"/>
           </a:p>
@@ -3194,7 +3285,7 @@
           <a:p>
             <a:fld id="{4AEFA3A0-0963-40F8-917D-76DEAAEFC216}" type="datetime1">
               <a:rPr lang="ru-RU" smtClean="0"/>
-              <a:t>29.11.2022</a:t>
+              <a:t>30.11.2022</a:t>
             </a:fld>
             <a:endParaRPr lang="ru-RU"/>
           </a:p>
@@ -3617,7 +3708,7 @@
           <a:p>
             <a:fld id="{DEF2FADE-2241-4AB9-A208-782AC4633E65}" type="datetime1">
               <a:rPr lang="ru-RU" smtClean="0"/>
-              <a:t>29.11.2022</a:t>
+              <a:t>30.11.2022</a:t>
             </a:fld>
             <a:endParaRPr lang="ru-RU"/>
           </a:p>
@@ -3738,7 +3829,7 @@
           <a:p>
             <a:fld id="{F73ABB79-FB1F-4563-8AEC-F75E8EA4533C}" type="datetime1">
               <a:rPr lang="ru-RU" smtClean="0"/>
-              <a:t>29.11.2022</a:t>
+              <a:t>30.11.2022</a:t>
             </a:fld>
             <a:endParaRPr lang="ru-RU"/>
           </a:p>
@@ -3837,7 +3928,7 @@
           <a:p>
             <a:fld id="{698CEBD2-D067-4C87-98E7-17140CF67479}" type="datetime1">
               <a:rPr lang="ru-RU" smtClean="0"/>
-              <a:t>29.11.2022</a:t>
+              <a:t>30.11.2022</a:t>
             </a:fld>
             <a:endParaRPr lang="ru-RU"/>
           </a:p>
@@ -4116,7 +4207,7 @@
           <a:p>
             <a:fld id="{98A170F8-514C-479C-AACB-5022023134F7}" type="datetime1">
               <a:rPr lang="ru-RU" smtClean="0"/>
-              <a:t>29.11.2022</a:t>
+              <a:t>30.11.2022</a:t>
             </a:fld>
             <a:endParaRPr lang="ru-RU"/>
           </a:p>
@@ -4375,7 +4466,7 @@
           <a:p>
             <a:fld id="{AA83611C-DD27-4ADB-92CD-801180824883}" type="datetime1">
               <a:rPr lang="ru-RU" smtClean="0"/>
-              <a:t>29.11.2022</a:t>
+              <a:t>30.11.2022</a:t>
             </a:fld>
             <a:endParaRPr lang="ru-RU"/>
           </a:p>
@@ -4595,7 +4686,7 @@
             <a:fld id="{772C2E8B-7AD5-4B74-A391-C1BAFFD06762}" type="datetime1">
               <a:rPr lang="ru-RU" smtClean="0"/>
               <a:pPr/>
-              <a:t>29.11.2022</a:t>
+              <a:t>30.11.2022</a:t>
             </a:fld>
             <a:endParaRPr lang="ru-RU" dirty="0"/>
           </a:p>
@@ -13175,8 +13266,8 @@
         </p:nvSpPr>
         <p:spPr>
           <a:xfrm>
-            <a:off x="609600" y="1816045"/>
-            <a:ext cx="10515600" cy="1755830"/>
+            <a:off x="685800" y="2209800"/>
+            <a:ext cx="10515600" cy="2222555"/>
           </a:xfrm>
           <a:prstGeom prst="rect">
             <a:avLst/>
@@ -13287,7 +13378,7 @@
                 <a:ea typeface="+mj-ea"/>
                 <a:cs typeface="Segoe UI Light" panose="020B0502040204020203" pitchFamily="34" charset="0"/>
               </a:rPr>
-              <a:t>Деякі можливі шляхи</a:t>
+              <a:t>Можливий варіант дій</a:t>
             </a:r>
             <a:r>
               <a:rPr lang="en-US" sz="1400" b="1" dirty="0" smtClean="0">
@@ -13300,6 +13391,14 @@
               </a:rPr>
               <a:t>:</a:t>
             </a:r>
+            <a:endParaRPr lang="en-US" sz="1400" b="1" dirty="0" smtClean="0">
+              <a:solidFill>
+                <a:srgbClr val="008000"/>
+              </a:solidFill>
+              <a:latin typeface="Segoe UI Light" panose="020B0502040204020203" pitchFamily="34" charset="0"/>
+              <a:ea typeface="+mj-ea"/>
+              <a:cs typeface="Segoe UI Light" panose="020B0502040204020203" pitchFamily="34" charset="0"/>
+            </a:endParaRPr>
           </a:p>
           <a:p>
             <a:pPr marL="742950" lvl="1" indent="-285750">
@@ -13332,9 +13431,31 @@
                 <a:latin typeface="Segoe UI Light" panose="020B0502040204020203" pitchFamily="34" charset="0"/>
                 <a:ea typeface="+mj-ea"/>
                 <a:cs typeface="Segoe UI Light" panose="020B0502040204020203" pitchFamily="34" charset="0"/>
+                <a:hlinkClick r:id="rId3"/>
               </a:rPr>
               <a:t>репозиторій</a:t>
             </a:r>
+            <a:endParaRPr lang="en-US" sz="1400" b="1" dirty="0" smtClean="0">
+              <a:solidFill>
+                <a:srgbClr val="008000"/>
+              </a:solidFill>
+              <a:latin typeface="Segoe UI Light" panose="020B0502040204020203" pitchFamily="34" charset="0"/>
+              <a:ea typeface="+mj-ea"/>
+              <a:cs typeface="Segoe UI Light" panose="020B0502040204020203" pitchFamily="34" charset="0"/>
+            </a:endParaRPr>
+          </a:p>
+          <a:p>
+            <a:pPr marL="742950" lvl="1" indent="-285750">
+              <a:lnSpc>
+                <a:spcPct val="150000"/>
+              </a:lnSpc>
+              <a:buClr>
+                <a:srgbClr val="D04E1D"/>
+              </a:buClr>
+              <a:buFontTx/>
+              <a:buChar char="-"/>
+              <a:defRPr/>
+            </a:pPr>
             <a:r>
               <a:rPr lang="uk-UA" sz="1400" b="1" dirty="0" smtClean="0">
                 <a:solidFill>
@@ -13344,7 +13465,145 @@
                 <a:ea typeface="+mj-ea"/>
                 <a:cs typeface="Segoe UI Light" panose="020B0502040204020203" pitchFamily="34" charset="0"/>
               </a:rPr>
-              <a:t> () </a:t>
+              <a:t>Встановити залежності</a:t>
+            </a:r>
+          </a:p>
+          <a:p>
+            <a:pPr marL="742950" lvl="1" indent="-285750">
+              <a:lnSpc>
+                <a:spcPct val="150000"/>
+              </a:lnSpc>
+              <a:buClr>
+                <a:srgbClr val="D04E1D"/>
+              </a:buClr>
+              <a:buFontTx/>
+              <a:buChar char="-"/>
+              <a:defRPr/>
+            </a:pPr>
+            <a:r>
+              <a:rPr lang="uk-UA" sz="1400" b="1" dirty="0" smtClean="0">
+                <a:solidFill>
+                  <a:srgbClr val="008000"/>
+                </a:solidFill>
+                <a:latin typeface="Segoe UI Light" panose="020B0502040204020203" pitchFamily="34" charset="0"/>
+                <a:ea typeface="+mj-ea"/>
+                <a:cs typeface="Segoe UI Light" panose="020B0502040204020203" pitchFamily="34" charset="0"/>
+              </a:rPr>
+              <a:t>Пройти по конспекту </a:t>
+            </a:r>
+          </a:p>
+          <a:p>
+            <a:pPr marL="285750" indent="-285750">
+              <a:lnSpc>
+                <a:spcPct val="150000"/>
+              </a:lnSpc>
+              <a:buClr>
+                <a:srgbClr val="D04E1D"/>
+              </a:buClr>
+              <a:buFontTx/>
+              <a:buChar char="-"/>
+              <a:defRPr/>
+            </a:pPr>
+            <a:r>
+              <a:rPr lang="uk-UA" sz="1400" b="1" dirty="0" smtClean="0">
+                <a:solidFill>
+                  <a:srgbClr val="008000"/>
+                </a:solidFill>
+                <a:latin typeface="Segoe UI Light" panose="020B0502040204020203" pitchFamily="34" charset="0"/>
+                <a:ea typeface="+mj-ea"/>
+                <a:cs typeface="Segoe UI Light" panose="020B0502040204020203" pitchFamily="34" charset="0"/>
+              </a:rPr>
+              <a:t>Встановити </a:t>
+            </a:r>
+            <a:r>
+              <a:rPr lang="en-US" sz="1400" b="1" dirty="0" err="1" smtClean="0">
+                <a:solidFill>
+                  <a:srgbClr val="008000"/>
+                </a:solidFill>
+                <a:latin typeface="Segoe UI Light" panose="020B0502040204020203" pitchFamily="34" charset="0"/>
+                <a:ea typeface="+mj-ea"/>
+                <a:cs typeface="Segoe UI Light" panose="020B0502040204020203" pitchFamily="34" charset="0"/>
+              </a:rPr>
+              <a:t>Dbeaver</a:t>
+            </a:r>
+            <a:r>
+              <a:rPr lang="en-US" sz="1400" b="1" dirty="0" smtClean="0">
+                <a:solidFill>
+                  <a:srgbClr val="008000"/>
+                </a:solidFill>
+                <a:latin typeface="Segoe UI Light" panose="020B0502040204020203" pitchFamily="34" charset="0"/>
+                <a:ea typeface="+mj-ea"/>
+                <a:cs typeface="Segoe UI Light" panose="020B0502040204020203" pitchFamily="34" charset="0"/>
+              </a:rPr>
+              <a:t> </a:t>
+            </a:r>
+            <a:r>
+              <a:rPr lang="uk-UA" sz="1400" b="1" dirty="0" smtClean="0">
+                <a:solidFill>
+                  <a:srgbClr val="008000"/>
+                </a:solidFill>
+                <a:latin typeface="Segoe UI Light" panose="020B0502040204020203" pitchFamily="34" charset="0"/>
+                <a:ea typeface="+mj-ea"/>
+                <a:cs typeface="Segoe UI Light" panose="020B0502040204020203" pitchFamily="34" charset="0"/>
+              </a:rPr>
+              <a:t>і підключитись до створеної БД.</a:t>
+            </a:r>
+          </a:p>
+          <a:p>
+            <a:pPr marL="285750" indent="-285750">
+              <a:lnSpc>
+                <a:spcPct val="150000"/>
+              </a:lnSpc>
+              <a:buClr>
+                <a:srgbClr val="D04E1D"/>
+              </a:buClr>
+              <a:buFontTx/>
+              <a:buChar char="-"/>
+              <a:defRPr/>
+            </a:pPr>
+            <a:r>
+              <a:rPr lang="uk-UA" sz="1400" b="1" dirty="0" smtClean="0">
+                <a:solidFill>
+                  <a:srgbClr val="008000"/>
+                </a:solidFill>
+                <a:latin typeface="Segoe UI Light" panose="020B0502040204020203" pitchFamily="34" charset="0"/>
+                <a:ea typeface="+mj-ea"/>
+                <a:cs typeface="Segoe UI Light" panose="020B0502040204020203" pitchFamily="34" charset="0"/>
+              </a:rPr>
+              <a:t>Спробувати написати до створених таблиць запит </a:t>
+            </a:r>
+            <a:r>
+              <a:rPr lang="en-US" sz="1400" b="1" dirty="0" smtClean="0">
+                <a:solidFill>
+                  <a:srgbClr val="008000"/>
+                </a:solidFill>
+                <a:latin typeface="Segoe UI Light" panose="020B0502040204020203" pitchFamily="34" charset="0"/>
+                <a:ea typeface="+mj-ea"/>
+                <a:cs typeface="Segoe UI Light" panose="020B0502040204020203" pitchFamily="34" charset="0"/>
+              </a:rPr>
+              <a:t>SELECT * FROM &lt;</a:t>
+            </a:r>
+            <a:r>
+              <a:rPr lang="en-US" sz="1400" b="1" dirty="0" err="1" smtClean="0">
+                <a:solidFill>
+                  <a:srgbClr val="008000"/>
+                </a:solidFill>
+                <a:latin typeface="Segoe UI Light" panose="020B0502040204020203" pitchFamily="34" charset="0"/>
+                <a:ea typeface="+mj-ea"/>
+                <a:cs typeface="Segoe UI Light" panose="020B0502040204020203" pitchFamily="34" charset="0"/>
+              </a:rPr>
+              <a:t>table_name</a:t>
+            </a:r>
+            <a:r>
+              <a:rPr lang="en-US" sz="1400" b="1" dirty="0" smtClean="0">
+                <a:solidFill>
+                  <a:srgbClr val="008000"/>
+                </a:solidFill>
+                <a:latin typeface="Segoe UI Light" panose="020B0502040204020203" pitchFamily="34" charset="0"/>
+                <a:ea typeface="+mj-ea"/>
+                <a:cs typeface="Segoe UI Light" panose="020B0502040204020203" pitchFamily="34" charset="0"/>
+              </a:rPr>
+              <a:t>&gt;;</a:t>
             </a:r>
             <a:endParaRPr lang="en-US" sz="1400" b="1" dirty="0" smtClean="0">
               <a:solidFill>
@@ -14019,6 +14278,1731 @@
 </file>
 
 <file path=ppt/slides/slide17.xml><?xml version="1.0" encoding="utf-8"?>
+<p:sld xmlns:a="http://schemas.openxmlformats.org/drawingml/2006/main" xmlns:r="http://schemas.openxmlformats.org/officeDocument/2006/relationships" xmlns:p="http://schemas.openxmlformats.org/presentationml/2006/main">
+  <p:cSld>
+    <p:spTree>
+      <p:nvGrpSpPr>
+        <p:cNvPr id="1" name=""/>
+        <p:cNvGrpSpPr/>
+        <p:nvPr/>
+      </p:nvGrpSpPr>
+      <p:grpSpPr>
+        <a:xfrm>
+          <a:off x="0" y="0"/>
+          <a:ext cx="0" cy="0"/>
+          <a:chOff x="0" y="0"/>
+          <a:chExt cx="0" cy="0"/>
+        </a:xfrm>
+      </p:grpSpPr>
+      <p:sp>
+        <p:nvSpPr>
+          <p:cNvPr id="11" name="Заголовок 1"/>
+          <p:cNvSpPr txBox="1">
+            <a:spLocks/>
+          </p:cNvSpPr>
+          <p:nvPr/>
+        </p:nvSpPr>
+        <p:spPr>
+          <a:xfrm>
+            <a:off x="0" y="860596"/>
+            <a:ext cx="6172200" cy="563562"/>
+          </a:xfrm>
+          <a:prstGeom prst="rect">
+            <a:avLst/>
+          </a:prstGeom>
+        </p:spPr>
+        <p:txBody>
+          <a:bodyPr vert="horz" lIns="91440" tIns="45720" rIns="91440" bIns="45720" rtlCol="0" anchor="ctr">
+            <a:normAutofit fontScale="85000" lnSpcReduction="10000"/>
+          </a:bodyPr>
+          <a:lstStyle>
+            <a:lvl1pPr algn="ctr" defTabSz="914400" rtl="0" eaLnBrk="1" latinLnBrk="0" hangingPunct="1">
+              <a:spcBef>
+                <a:spcPct val="0"/>
+              </a:spcBef>
+              <a:buNone/>
+              <a:defRPr sz="4400" kern="1200">
+                <a:solidFill>
+                  <a:schemeClr val="tx1"/>
+                </a:solidFill>
+                <a:latin typeface="+mj-lt"/>
+                <a:ea typeface="+mj-ea"/>
+                <a:cs typeface="+mj-cs"/>
+              </a:defRPr>
+            </a:lvl1pPr>
+          </a:lstStyle>
+          <a:p>
+            <a:r>
+              <a:rPr lang="uk-UA" sz="2800" b="1" dirty="0">
+                <a:solidFill>
+                  <a:srgbClr val="008000"/>
+                </a:solidFill>
+                <a:latin typeface="Segoe UI Light" panose="020B0502040204020203" pitchFamily="34" charset="0"/>
+                <a:cs typeface="Segoe UI Light" panose="020B0502040204020203" pitchFamily="34" charset="0"/>
+              </a:rPr>
+              <a:t>День </a:t>
+            </a:r>
+            <a:r>
+              <a:rPr lang="en-US" sz="2800" b="1" dirty="0">
+                <a:solidFill>
+                  <a:srgbClr val="008000"/>
+                </a:solidFill>
+                <a:latin typeface="Segoe UI Light" panose="020B0502040204020203" pitchFamily="34" charset="0"/>
+                <a:cs typeface="Segoe UI Light" panose="020B0502040204020203" pitchFamily="34" charset="0"/>
+              </a:rPr>
+              <a:t>2</a:t>
+            </a:r>
+            <a:r>
+              <a:rPr lang="uk-UA" sz="2800" b="1" dirty="0">
+                <a:solidFill>
+                  <a:srgbClr val="008000"/>
+                </a:solidFill>
+                <a:latin typeface="Segoe UI Light" panose="020B0502040204020203" pitchFamily="34" charset="0"/>
+                <a:cs typeface="Segoe UI Light" panose="020B0502040204020203" pitchFamily="34" charset="0"/>
+              </a:rPr>
+              <a:t>. Робота з БД – основні </a:t>
+            </a:r>
+            <a:r>
+              <a:rPr lang="en-US" sz="2800" b="1" dirty="0">
+                <a:solidFill>
+                  <a:srgbClr val="008000"/>
+                </a:solidFill>
+                <a:latin typeface="Segoe UI Light" panose="020B0502040204020203" pitchFamily="34" charset="0"/>
+                <a:cs typeface="Segoe UI Light" panose="020B0502040204020203" pitchFamily="34" charset="0"/>
+              </a:rPr>
+              <a:t>SQL-</a:t>
+            </a:r>
+            <a:r>
+              <a:rPr lang="uk-UA" sz="2800" b="1" dirty="0">
+                <a:solidFill>
+                  <a:srgbClr val="008000"/>
+                </a:solidFill>
+                <a:latin typeface="Segoe UI Light" panose="020B0502040204020203" pitchFamily="34" charset="0"/>
+                <a:cs typeface="Segoe UI Light" panose="020B0502040204020203" pitchFamily="34" charset="0"/>
+              </a:rPr>
+              <a:t>запити</a:t>
+            </a:r>
+            <a:r>
+              <a:rPr lang="uk-UA" sz="2800" b="1" dirty="0" smtClean="0">
+                <a:solidFill>
+                  <a:srgbClr val="008000"/>
+                </a:solidFill>
+                <a:latin typeface="Segoe UI Light" panose="020B0502040204020203" pitchFamily="34" charset="0"/>
+                <a:cs typeface="Segoe UI Light" panose="020B0502040204020203" pitchFamily="34" charset="0"/>
+              </a:rPr>
+              <a:t>.</a:t>
+            </a:r>
+            <a:r>
+              <a:rPr lang="en-US" sz="2800" b="1" dirty="0" smtClean="0">
+                <a:solidFill>
+                  <a:srgbClr val="FF0000"/>
+                </a:solidFill>
+                <a:latin typeface="Segoe UI Light" panose="020B0502040204020203" pitchFamily="34" charset="0"/>
+                <a:cs typeface="Segoe UI Light" panose="020B0502040204020203" pitchFamily="34" charset="0"/>
+              </a:rPr>
+              <a:t>:</a:t>
+            </a:r>
+            <a:endParaRPr lang="ru-RU" sz="2800" b="1" dirty="0">
+              <a:solidFill>
+                <a:srgbClr val="FF0000"/>
+              </a:solidFill>
+              <a:latin typeface="Segoe UI Light" panose="020B0502040204020203" pitchFamily="34" charset="0"/>
+              <a:cs typeface="Segoe UI Light" panose="020B0502040204020203" pitchFamily="34" charset="0"/>
+            </a:endParaRPr>
+          </a:p>
+        </p:txBody>
+      </p:sp>
+      <p:sp>
+        <p:nvSpPr>
+          <p:cNvPr id="13" name="Прямоугольник 12"/>
+          <p:cNvSpPr/>
+          <p:nvPr/>
+        </p:nvSpPr>
+        <p:spPr>
+          <a:xfrm>
+            <a:off x="0" y="6343650"/>
+            <a:ext cx="12192000" cy="533400"/>
+          </a:xfrm>
+          <a:prstGeom prst="rect">
+            <a:avLst/>
+          </a:prstGeom>
+          <a:solidFill>
+            <a:srgbClr val="6E6E6E"/>
+          </a:solidFill>
+          <a:ln>
+            <a:noFill/>
+          </a:ln>
+        </p:spPr>
+        <p:style>
+          <a:lnRef idx="3">
+            <a:schemeClr val="lt1"/>
+          </a:lnRef>
+          <a:fillRef idx="1">
+            <a:schemeClr val="accent1"/>
+          </a:fillRef>
+          <a:effectRef idx="1">
+            <a:schemeClr val="accent1"/>
+          </a:effectRef>
+          <a:fontRef idx="minor">
+            <a:schemeClr val="lt1"/>
+          </a:fontRef>
+        </p:style>
+        <p:txBody>
+          <a:bodyPr rtlCol="0" anchor="ctr"/>
+          <a:lstStyle/>
+          <a:p>
+            <a:pPr algn="ctr"/>
+            <a:endParaRPr lang="en-US" dirty="0">
+              <a:latin typeface="Segoe UI Light" panose="020B0502040204020203" pitchFamily="34" charset="0"/>
+              <a:cs typeface="Segoe UI Light" panose="020B0502040204020203" pitchFamily="34" charset="0"/>
+            </a:endParaRPr>
+          </a:p>
+        </p:txBody>
+      </p:sp>
+      <p:sp>
+        <p:nvSpPr>
+          <p:cNvPr id="14" name="Прямоугольник 13"/>
+          <p:cNvSpPr/>
+          <p:nvPr/>
+        </p:nvSpPr>
+        <p:spPr>
+          <a:xfrm>
+            <a:off x="4038600" y="6458795"/>
+            <a:ext cx="7924800" cy="307777"/>
+          </a:xfrm>
+          <a:prstGeom prst="rect">
+            <a:avLst/>
+          </a:prstGeom>
+        </p:spPr>
+        <p:txBody>
+          <a:bodyPr wrap="square">
+            <a:spAutoFit/>
+          </a:bodyPr>
+          <a:lstStyle/>
+          <a:p>
+            <a:r>
+              <a:rPr lang="en-US" sz="1400" dirty="0">
+                <a:solidFill>
+                  <a:schemeClr val="bg1"/>
+                </a:solidFill>
+                <a:latin typeface="Segoe UI Light" panose="020B0502040204020203" pitchFamily="34" charset="0"/>
+                <a:cs typeface="Segoe UI Light" panose="020B0502040204020203" pitchFamily="34" charset="0"/>
+              </a:rPr>
+              <a:t>Information Technology Video Developer Network                                                       https://itvdn.com</a:t>
+            </a:r>
+          </a:p>
+        </p:txBody>
+      </p:sp>
+      <p:sp>
+        <p:nvSpPr>
+          <p:cNvPr id="16" name="Прямоугольник 15"/>
+          <p:cNvSpPr/>
+          <p:nvPr/>
+        </p:nvSpPr>
+        <p:spPr>
+          <a:xfrm>
+            <a:off x="373241" y="6431280"/>
+            <a:ext cx="891847" cy="400110"/>
+          </a:xfrm>
+          <a:prstGeom prst="rect">
+            <a:avLst/>
+          </a:prstGeom>
+        </p:spPr>
+        <p:txBody>
+          <a:bodyPr wrap="none">
+            <a:spAutoFit/>
+          </a:bodyPr>
+          <a:lstStyle/>
+          <a:p>
+            <a:r>
+              <a:rPr lang="en-US" sz="2000" dirty="0">
+                <a:solidFill>
+                  <a:schemeClr val="bg1"/>
+                </a:solidFill>
+                <a:latin typeface="Segoe UI Light" panose="020B0502040204020203" pitchFamily="34" charset="0"/>
+                <a:cs typeface="Segoe UI Light" panose="020B0502040204020203" pitchFamily="34" charset="0"/>
+              </a:rPr>
+              <a:t>ITVDN</a:t>
+            </a:r>
+            <a:endParaRPr lang="en-US" sz="2000" dirty="0">
+              <a:latin typeface="Segoe UI Light" panose="020B0502040204020203" pitchFamily="34" charset="0"/>
+              <a:cs typeface="Segoe UI Light" panose="020B0502040204020203" pitchFamily="34" charset="0"/>
+            </a:endParaRPr>
+          </a:p>
+        </p:txBody>
+      </p:sp>
+      <p:grpSp>
+        <p:nvGrpSpPr>
+          <p:cNvPr id="18" name="Группа 17"/>
+          <p:cNvGrpSpPr/>
+          <p:nvPr/>
+        </p:nvGrpSpPr>
+        <p:grpSpPr>
+          <a:xfrm>
+            <a:off x="177200" y="6404572"/>
+            <a:ext cx="178914" cy="411555"/>
+            <a:chOff x="4724400" y="3098418"/>
+            <a:chExt cx="178914" cy="411555"/>
+          </a:xfrm>
+        </p:grpSpPr>
+        <p:sp>
+          <p:nvSpPr>
+            <p:cNvPr id="19" name="Блок-схема: данные 27"/>
+            <p:cNvSpPr/>
+            <p:nvPr/>
+          </p:nvSpPr>
+          <p:spPr>
+            <a:xfrm rot="5400000" flipH="1">
+              <a:off x="4611960" y="3312840"/>
+              <a:ext cx="309573" cy="84693"/>
+            </a:xfrm>
+            <a:custGeom>
+              <a:avLst/>
+              <a:gdLst>
+                <a:gd name="connsiteX0" fmla="*/ 0 w 10000"/>
+                <a:gd name="connsiteY0" fmla="*/ 10000 h 10000"/>
+                <a:gd name="connsiteX1" fmla="*/ 2000 w 10000"/>
+                <a:gd name="connsiteY1" fmla="*/ 0 h 10000"/>
+                <a:gd name="connsiteX2" fmla="*/ 10000 w 10000"/>
+                <a:gd name="connsiteY2" fmla="*/ 0 h 10000"/>
+                <a:gd name="connsiteX3" fmla="*/ 8000 w 10000"/>
+                <a:gd name="connsiteY3" fmla="*/ 10000 h 10000"/>
+                <a:gd name="connsiteX4" fmla="*/ 0 w 10000"/>
+                <a:gd name="connsiteY4" fmla="*/ 10000 h 10000"/>
+                <a:gd name="connsiteX0" fmla="*/ 0 w 11343"/>
+                <a:gd name="connsiteY0" fmla="*/ 10000 h 10000"/>
+                <a:gd name="connsiteX1" fmla="*/ 2000 w 11343"/>
+                <a:gd name="connsiteY1" fmla="*/ 0 h 10000"/>
+                <a:gd name="connsiteX2" fmla="*/ 11343 w 11343"/>
+                <a:gd name="connsiteY2" fmla="*/ 302 h 10000"/>
+                <a:gd name="connsiteX3" fmla="*/ 8000 w 11343"/>
+                <a:gd name="connsiteY3" fmla="*/ 10000 h 10000"/>
+                <a:gd name="connsiteX4" fmla="*/ 0 w 11343"/>
+                <a:gd name="connsiteY4" fmla="*/ 10000 h 10000"/>
+                <a:gd name="connsiteX0" fmla="*/ 0 w 11019"/>
+                <a:gd name="connsiteY0" fmla="*/ 10000 h 10000"/>
+                <a:gd name="connsiteX1" fmla="*/ 1676 w 11019"/>
+                <a:gd name="connsiteY1" fmla="*/ 0 h 10000"/>
+                <a:gd name="connsiteX2" fmla="*/ 11019 w 11019"/>
+                <a:gd name="connsiteY2" fmla="*/ 302 h 10000"/>
+                <a:gd name="connsiteX3" fmla="*/ 7676 w 11019"/>
+                <a:gd name="connsiteY3" fmla="*/ 10000 h 10000"/>
+                <a:gd name="connsiteX4" fmla="*/ 0 w 11019"/>
+                <a:gd name="connsiteY4" fmla="*/ 10000 h 10000"/>
+                <a:gd name="connsiteX0" fmla="*/ 0 w 11019"/>
+                <a:gd name="connsiteY0" fmla="*/ 10151 h 10151"/>
+                <a:gd name="connsiteX1" fmla="*/ 3759 w 11019"/>
+                <a:gd name="connsiteY1" fmla="*/ 0 h 10151"/>
+                <a:gd name="connsiteX2" fmla="*/ 11019 w 11019"/>
+                <a:gd name="connsiteY2" fmla="*/ 453 h 10151"/>
+                <a:gd name="connsiteX3" fmla="*/ 7676 w 11019"/>
+                <a:gd name="connsiteY3" fmla="*/ 10151 h 10151"/>
+                <a:gd name="connsiteX4" fmla="*/ 0 w 11019"/>
+                <a:gd name="connsiteY4" fmla="*/ 10151 h 10151"/>
+                <a:gd name="connsiteX0" fmla="*/ 0 w 11019"/>
+                <a:gd name="connsiteY0" fmla="*/ 9698 h 9698"/>
+                <a:gd name="connsiteX1" fmla="*/ 4685 w 11019"/>
+                <a:gd name="connsiteY1" fmla="*/ 1 h 9698"/>
+                <a:gd name="connsiteX2" fmla="*/ 11019 w 11019"/>
+                <a:gd name="connsiteY2" fmla="*/ 0 h 9698"/>
+                <a:gd name="connsiteX3" fmla="*/ 7676 w 11019"/>
+                <a:gd name="connsiteY3" fmla="*/ 9698 h 9698"/>
+                <a:gd name="connsiteX4" fmla="*/ 0 w 11019"/>
+                <a:gd name="connsiteY4" fmla="*/ 9698 h 9698"/>
+                <a:gd name="connsiteX0" fmla="*/ 0 w 10000"/>
+                <a:gd name="connsiteY0" fmla="*/ 10155 h 10155"/>
+                <a:gd name="connsiteX1" fmla="*/ 3202 w 10000"/>
+                <a:gd name="connsiteY1" fmla="*/ 0 h 10155"/>
+                <a:gd name="connsiteX2" fmla="*/ 10000 w 10000"/>
+                <a:gd name="connsiteY2" fmla="*/ 155 h 10155"/>
+                <a:gd name="connsiteX3" fmla="*/ 6966 w 10000"/>
+                <a:gd name="connsiteY3" fmla="*/ 10155 h 10155"/>
+                <a:gd name="connsiteX4" fmla="*/ 0 w 10000"/>
+                <a:gd name="connsiteY4" fmla="*/ 10155 h 10155"/>
+              </a:gdLst>
+              <a:ahLst/>
+              <a:cxnLst>
+                <a:cxn ang="0">
+                  <a:pos x="connsiteX0" y="connsiteY0"/>
+                </a:cxn>
+                <a:cxn ang="0">
+                  <a:pos x="connsiteX1" y="connsiteY1"/>
+                </a:cxn>
+                <a:cxn ang="0">
+                  <a:pos x="connsiteX2" y="connsiteY2"/>
+                </a:cxn>
+                <a:cxn ang="0">
+                  <a:pos x="connsiteX3" y="connsiteY3"/>
+                </a:cxn>
+                <a:cxn ang="0">
+                  <a:pos x="connsiteX4" y="connsiteY4"/>
+                </a:cxn>
+              </a:cxnLst>
+              <a:rect l="l" t="t" r="r" b="b"/>
+              <a:pathLst>
+                <a:path w="10000" h="10155">
+                  <a:moveTo>
+                    <a:pt x="0" y="10155"/>
+                  </a:moveTo>
+                  <a:lnTo>
+                    <a:pt x="3202" y="0"/>
+                  </a:lnTo>
+                  <a:lnTo>
+                    <a:pt x="10000" y="155"/>
+                  </a:lnTo>
+                  <a:lnTo>
+                    <a:pt x="6966" y="10155"/>
+                  </a:lnTo>
+                  <a:lnTo>
+                    <a:pt x="0" y="10155"/>
+                  </a:lnTo>
+                  <a:close/>
+                </a:path>
+              </a:pathLst>
+            </a:custGeom>
+            <a:solidFill>
+              <a:schemeClr val="bg1"/>
+            </a:solidFill>
+            <a:ln>
+              <a:noFill/>
+            </a:ln>
+          </p:spPr>
+          <p:style>
+            <a:lnRef idx="2">
+              <a:schemeClr val="accent1">
+                <a:shade val="50000"/>
+              </a:schemeClr>
+            </a:lnRef>
+            <a:fillRef idx="1">
+              <a:schemeClr val="accent1"/>
+            </a:fillRef>
+            <a:effectRef idx="0">
+              <a:schemeClr val="accent1"/>
+            </a:effectRef>
+            <a:fontRef idx="minor">
+              <a:schemeClr val="lt1"/>
+            </a:fontRef>
+          </p:style>
+          <p:txBody>
+            <a:bodyPr rtlCol="0" anchor="ctr"/>
+            <a:lstStyle/>
+            <a:p>
+              <a:pPr algn="ctr"/>
+              <a:endParaRPr lang="en-US" dirty="0">
+                <a:latin typeface="Segoe UI Light" panose="020B0502040204020203" pitchFamily="34" charset="0"/>
+                <a:cs typeface="Segoe UI Light" panose="020B0502040204020203" pitchFamily="34" charset="0"/>
+              </a:endParaRPr>
+            </a:p>
+          </p:txBody>
+        </p:sp>
+        <p:sp>
+          <p:nvSpPr>
+            <p:cNvPr id="20" name="Блок-схема: данные 27"/>
+            <p:cNvSpPr/>
+            <p:nvPr/>
+          </p:nvSpPr>
+          <p:spPr>
+            <a:xfrm rot="5400000" flipH="1">
+              <a:off x="4706181" y="3210858"/>
+              <a:ext cx="309573" cy="84693"/>
+            </a:xfrm>
+            <a:custGeom>
+              <a:avLst/>
+              <a:gdLst>
+                <a:gd name="connsiteX0" fmla="*/ 0 w 10000"/>
+                <a:gd name="connsiteY0" fmla="*/ 10000 h 10000"/>
+                <a:gd name="connsiteX1" fmla="*/ 2000 w 10000"/>
+                <a:gd name="connsiteY1" fmla="*/ 0 h 10000"/>
+                <a:gd name="connsiteX2" fmla="*/ 10000 w 10000"/>
+                <a:gd name="connsiteY2" fmla="*/ 0 h 10000"/>
+                <a:gd name="connsiteX3" fmla="*/ 8000 w 10000"/>
+                <a:gd name="connsiteY3" fmla="*/ 10000 h 10000"/>
+                <a:gd name="connsiteX4" fmla="*/ 0 w 10000"/>
+                <a:gd name="connsiteY4" fmla="*/ 10000 h 10000"/>
+                <a:gd name="connsiteX0" fmla="*/ 0 w 11343"/>
+                <a:gd name="connsiteY0" fmla="*/ 10000 h 10000"/>
+                <a:gd name="connsiteX1" fmla="*/ 2000 w 11343"/>
+                <a:gd name="connsiteY1" fmla="*/ 0 h 10000"/>
+                <a:gd name="connsiteX2" fmla="*/ 11343 w 11343"/>
+                <a:gd name="connsiteY2" fmla="*/ 302 h 10000"/>
+                <a:gd name="connsiteX3" fmla="*/ 8000 w 11343"/>
+                <a:gd name="connsiteY3" fmla="*/ 10000 h 10000"/>
+                <a:gd name="connsiteX4" fmla="*/ 0 w 11343"/>
+                <a:gd name="connsiteY4" fmla="*/ 10000 h 10000"/>
+                <a:gd name="connsiteX0" fmla="*/ 0 w 11019"/>
+                <a:gd name="connsiteY0" fmla="*/ 10000 h 10000"/>
+                <a:gd name="connsiteX1" fmla="*/ 1676 w 11019"/>
+                <a:gd name="connsiteY1" fmla="*/ 0 h 10000"/>
+                <a:gd name="connsiteX2" fmla="*/ 11019 w 11019"/>
+                <a:gd name="connsiteY2" fmla="*/ 302 h 10000"/>
+                <a:gd name="connsiteX3" fmla="*/ 7676 w 11019"/>
+                <a:gd name="connsiteY3" fmla="*/ 10000 h 10000"/>
+                <a:gd name="connsiteX4" fmla="*/ 0 w 11019"/>
+                <a:gd name="connsiteY4" fmla="*/ 10000 h 10000"/>
+                <a:gd name="connsiteX0" fmla="*/ 0 w 11019"/>
+                <a:gd name="connsiteY0" fmla="*/ 10151 h 10151"/>
+                <a:gd name="connsiteX1" fmla="*/ 3759 w 11019"/>
+                <a:gd name="connsiteY1" fmla="*/ 0 h 10151"/>
+                <a:gd name="connsiteX2" fmla="*/ 11019 w 11019"/>
+                <a:gd name="connsiteY2" fmla="*/ 453 h 10151"/>
+                <a:gd name="connsiteX3" fmla="*/ 7676 w 11019"/>
+                <a:gd name="connsiteY3" fmla="*/ 10151 h 10151"/>
+                <a:gd name="connsiteX4" fmla="*/ 0 w 11019"/>
+                <a:gd name="connsiteY4" fmla="*/ 10151 h 10151"/>
+                <a:gd name="connsiteX0" fmla="*/ 0 w 11019"/>
+                <a:gd name="connsiteY0" fmla="*/ 9698 h 9698"/>
+                <a:gd name="connsiteX1" fmla="*/ 4685 w 11019"/>
+                <a:gd name="connsiteY1" fmla="*/ 1 h 9698"/>
+                <a:gd name="connsiteX2" fmla="*/ 11019 w 11019"/>
+                <a:gd name="connsiteY2" fmla="*/ 0 h 9698"/>
+                <a:gd name="connsiteX3" fmla="*/ 7676 w 11019"/>
+                <a:gd name="connsiteY3" fmla="*/ 9698 h 9698"/>
+                <a:gd name="connsiteX4" fmla="*/ 0 w 11019"/>
+                <a:gd name="connsiteY4" fmla="*/ 9698 h 9698"/>
+                <a:gd name="connsiteX0" fmla="*/ 0 w 10000"/>
+                <a:gd name="connsiteY0" fmla="*/ 10155 h 10155"/>
+                <a:gd name="connsiteX1" fmla="*/ 3202 w 10000"/>
+                <a:gd name="connsiteY1" fmla="*/ 0 h 10155"/>
+                <a:gd name="connsiteX2" fmla="*/ 10000 w 10000"/>
+                <a:gd name="connsiteY2" fmla="*/ 155 h 10155"/>
+                <a:gd name="connsiteX3" fmla="*/ 6966 w 10000"/>
+                <a:gd name="connsiteY3" fmla="*/ 10155 h 10155"/>
+                <a:gd name="connsiteX4" fmla="*/ 0 w 10000"/>
+                <a:gd name="connsiteY4" fmla="*/ 10155 h 10155"/>
+              </a:gdLst>
+              <a:ahLst/>
+              <a:cxnLst>
+                <a:cxn ang="0">
+                  <a:pos x="connsiteX0" y="connsiteY0"/>
+                </a:cxn>
+                <a:cxn ang="0">
+                  <a:pos x="connsiteX1" y="connsiteY1"/>
+                </a:cxn>
+                <a:cxn ang="0">
+                  <a:pos x="connsiteX2" y="connsiteY2"/>
+                </a:cxn>
+                <a:cxn ang="0">
+                  <a:pos x="connsiteX3" y="connsiteY3"/>
+                </a:cxn>
+                <a:cxn ang="0">
+                  <a:pos x="connsiteX4" y="connsiteY4"/>
+                </a:cxn>
+              </a:cxnLst>
+              <a:rect l="l" t="t" r="r" b="b"/>
+              <a:pathLst>
+                <a:path w="10000" h="10155">
+                  <a:moveTo>
+                    <a:pt x="0" y="10155"/>
+                  </a:moveTo>
+                  <a:lnTo>
+                    <a:pt x="3202" y="0"/>
+                  </a:lnTo>
+                  <a:lnTo>
+                    <a:pt x="10000" y="155"/>
+                  </a:lnTo>
+                  <a:lnTo>
+                    <a:pt x="6966" y="10155"/>
+                  </a:lnTo>
+                  <a:lnTo>
+                    <a:pt x="0" y="10155"/>
+                  </a:lnTo>
+                  <a:close/>
+                </a:path>
+              </a:pathLst>
+            </a:custGeom>
+            <a:solidFill>
+              <a:schemeClr val="bg1">
+                <a:lumMod val="85000"/>
+              </a:schemeClr>
+            </a:solidFill>
+            <a:ln>
+              <a:noFill/>
+            </a:ln>
+          </p:spPr>
+          <p:style>
+            <a:lnRef idx="2">
+              <a:schemeClr val="accent1">
+                <a:shade val="50000"/>
+              </a:schemeClr>
+            </a:lnRef>
+            <a:fillRef idx="1">
+              <a:schemeClr val="accent1"/>
+            </a:fillRef>
+            <a:effectRef idx="0">
+              <a:schemeClr val="accent1"/>
+            </a:effectRef>
+            <a:fontRef idx="minor">
+              <a:schemeClr val="lt1"/>
+            </a:fontRef>
+          </p:style>
+          <p:txBody>
+            <a:bodyPr rtlCol="0" anchor="ctr"/>
+            <a:lstStyle/>
+            <a:p>
+              <a:pPr algn="ctr"/>
+              <a:endParaRPr lang="en-US" dirty="0">
+                <a:latin typeface="Segoe UI Light" panose="020B0502040204020203" pitchFamily="34" charset="0"/>
+                <a:cs typeface="Segoe UI Light" panose="020B0502040204020203" pitchFamily="34" charset="0"/>
+              </a:endParaRPr>
+            </a:p>
+          </p:txBody>
+        </p:sp>
+      </p:grpSp>
+      <p:sp>
+        <p:nvSpPr>
+          <p:cNvPr id="21" name="Прямоугольник 20"/>
+          <p:cNvSpPr/>
+          <p:nvPr/>
+        </p:nvSpPr>
+        <p:spPr>
+          <a:xfrm>
+            <a:off x="0" y="228600"/>
+            <a:ext cx="12192000" cy="533400"/>
+          </a:xfrm>
+          <a:prstGeom prst="rect">
+            <a:avLst/>
+          </a:prstGeom>
+          <a:solidFill>
+            <a:srgbClr val="6E6E6E"/>
+          </a:solidFill>
+          <a:ln>
+            <a:noFill/>
+          </a:ln>
+        </p:spPr>
+        <p:style>
+          <a:lnRef idx="3">
+            <a:schemeClr val="lt1"/>
+          </a:lnRef>
+          <a:fillRef idx="1">
+            <a:schemeClr val="accent1"/>
+          </a:fillRef>
+          <a:effectRef idx="1">
+            <a:schemeClr val="accent1"/>
+          </a:effectRef>
+          <a:fontRef idx="minor">
+            <a:schemeClr val="lt1"/>
+          </a:fontRef>
+        </p:style>
+        <p:txBody>
+          <a:bodyPr rtlCol="0" anchor="ctr"/>
+          <a:lstStyle/>
+          <a:p>
+            <a:pPr algn="ctr"/>
+            <a:endParaRPr lang="en-US" dirty="0">
+              <a:latin typeface="Segoe UI Light" panose="020B0502040204020203" pitchFamily="34" charset="0"/>
+              <a:cs typeface="Segoe UI Light" panose="020B0502040204020203" pitchFamily="34" charset="0"/>
+            </a:endParaRPr>
+          </a:p>
+        </p:txBody>
+      </p:sp>
+      <p:sp>
+        <p:nvSpPr>
+          <p:cNvPr id="12" name="Заголовок 1"/>
+          <p:cNvSpPr txBox="1">
+            <a:spLocks/>
+          </p:cNvSpPr>
+          <p:nvPr/>
+        </p:nvSpPr>
+        <p:spPr>
+          <a:xfrm>
+            <a:off x="1981200" y="228600"/>
+            <a:ext cx="8229600" cy="571500"/>
+          </a:xfrm>
+          <a:prstGeom prst="rect">
+            <a:avLst/>
+          </a:prstGeom>
+        </p:spPr>
+        <p:txBody>
+          <a:bodyPr vert="horz" lIns="91440" tIns="45720" rIns="91440" bIns="45720" rtlCol="0" anchor="ctr">
+            <a:normAutofit fontScale="60000" lnSpcReduction="20000"/>
+          </a:bodyPr>
+          <a:lstStyle>
+            <a:lvl1pPr algn="ctr" defTabSz="914400" rtl="0" eaLnBrk="1" latinLnBrk="0" hangingPunct="1">
+              <a:spcBef>
+                <a:spcPct val="0"/>
+              </a:spcBef>
+              <a:buNone/>
+              <a:defRPr sz="4400" kern="1200">
+                <a:solidFill>
+                  <a:schemeClr val="tx1"/>
+                </a:solidFill>
+                <a:latin typeface="+mj-lt"/>
+                <a:ea typeface="+mj-ea"/>
+                <a:cs typeface="+mj-cs"/>
+              </a:defRPr>
+            </a:lvl1pPr>
+          </a:lstStyle>
+          <a:p>
+            <a:r>
+              <a:rPr lang="en-US" sz="3600" dirty="0" err="1" smtClean="0">
+                <a:solidFill>
+                  <a:schemeClr val="bg1"/>
+                </a:solidFill>
+                <a:latin typeface="Segoe UI Light" panose="020B0502040204020203" pitchFamily="34" charset="0"/>
+                <a:ea typeface="Segoe UI" pitchFamily="34" charset="0"/>
+                <a:cs typeface="Segoe UI Light" panose="020B0502040204020203" pitchFamily="34" charset="0"/>
+              </a:rPr>
+              <a:t>Python+SQL</a:t>
+            </a:r>
+            <a:r>
+              <a:rPr lang="en-US" sz="3600" dirty="0" smtClean="0">
+                <a:solidFill>
+                  <a:schemeClr val="bg1"/>
+                </a:solidFill>
+                <a:latin typeface="Segoe UI Light" panose="020B0502040204020203" pitchFamily="34" charset="0"/>
+                <a:ea typeface="Segoe UI" pitchFamily="34" charset="0"/>
+                <a:cs typeface="Segoe UI Light" panose="020B0502040204020203" pitchFamily="34" charset="0"/>
+              </a:rPr>
+              <a:t>: </a:t>
+            </a:r>
+            <a:r>
+              <a:rPr lang="uk-UA" sz="3600" dirty="0" smtClean="0">
+                <a:solidFill>
+                  <a:schemeClr val="bg1"/>
+                </a:solidFill>
+                <a:latin typeface="Segoe UI Light" panose="020B0502040204020203" pitchFamily="34" charset="0"/>
+                <a:ea typeface="Segoe UI" pitchFamily="34" charset="0"/>
+                <a:cs typeface="Segoe UI Light" panose="020B0502040204020203" pitchFamily="34" charset="0"/>
+              </a:rPr>
+              <a:t>як почати використовувати БД і писати </a:t>
+            </a:r>
+            <a:r>
+              <a:rPr lang="en-US" sz="3600" dirty="0" smtClean="0">
+                <a:solidFill>
+                  <a:schemeClr val="bg1"/>
+                </a:solidFill>
+                <a:latin typeface="Segoe UI Light" panose="020B0502040204020203" pitchFamily="34" charset="0"/>
+                <a:ea typeface="Segoe UI" pitchFamily="34" charset="0"/>
+                <a:cs typeface="Segoe UI Light" panose="020B0502040204020203" pitchFamily="34" charset="0"/>
+              </a:rPr>
+              <a:t>SQL-</a:t>
+            </a:r>
+            <a:r>
+              <a:rPr lang="uk-UA" sz="3600" dirty="0" smtClean="0">
+                <a:solidFill>
+                  <a:schemeClr val="bg1"/>
+                </a:solidFill>
+                <a:latin typeface="Segoe UI Light" panose="020B0502040204020203" pitchFamily="34" charset="0"/>
+                <a:ea typeface="Segoe UI" pitchFamily="34" charset="0"/>
+                <a:cs typeface="Segoe UI Light" panose="020B0502040204020203" pitchFamily="34" charset="0"/>
+              </a:rPr>
+              <a:t>запити</a:t>
+            </a:r>
+            <a:endParaRPr lang="en-US" sz="3600" dirty="0">
+              <a:solidFill>
+                <a:schemeClr val="bg1"/>
+              </a:solidFill>
+              <a:latin typeface="Segoe UI Light" panose="020B0502040204020203" pitchFamily="34" charset="0"/>
+              <a:ea typeface="Segoe UI" pitchFamily="34" charset="0"/>
+              <a:cs typeface="Segoe UI Light" panose="020B0502040204020203" pitchFamily="34" charset="0"/>
+            </a:endParaRPr>
+          </a:p>
+        </p:txBody>
+      </p:sp>
+      <p:sp>
+        <p:nvSpPr>
+          <p:cNvPr id="15" name="Rectangle 1">
+            <a:extLst>
+              <a:ext uri="{FF2B5EF4-FFF2-40B4-BE49-F238E27FC236}">
+                <a16:creationId xmlns:a16="http://schemas.microsoft.com/office/drawing/2014/main" id="{D44BFF99-1D09-49FF-9357-829BB406E568}"/>
+              </a:ext>
+            </a:extLst>
+          </p:cNvPr>
+          <p:cNvSpPr/>
+          <p:nvPr/>
+        </p:nvSpPr>
+        <p:spPr>
+          <a:xfrm>
+            <a:off x="457200" y="1484654"/>
+            <a:ext cx="4724400" cy="4636642"/>
+          </a:xfrm>
+          <a:prstGeom prst="rect">
+            <a:avLst/>
+          </a:prstGeom>
+          <a:noFill/>
+          <a:ln>
+            <a:noFill/>
+          </a:ln>
+        </p:spPr>
+        <p:style>
+          <a:lnRef idx="2">
+            <a:schemeClr val="accent1">
+              <a:shade val="50000"/>
+            </a:schemeClr>
+          </a:lnRef>
+          <a:fillRef idx="1">
+            <a:schemeClr val="accent1"/>
+          </a:fillRef>
+          <a:effectRef idx="0">
+            <a:schemeClr val="accent1"/>
+          </a:effectRef>
+          <a:fontRef idx="minor">
+            <a:schemeClr val="lt1"/>
+          </a:fontRef>
+        </p:style>
+        <p:txBody>
+          <a:bodyPr/>
+          <a:lstStyle/>
+          <a:p>
+            <a:pPr marL="285750" indent="-285750" fontAlgn="auto">
+              <a:lnSpc>
+                <a:spcPct val="150000"/>
+              </a:lnSpc>
+              <a:spcBef>
+                <a:spcPts val="0"/>
+              </a:spcBef>
+              <a:spcAft>
+                <a:spcPts val="0"/>
+              </a:spcAft>
+              <a:buClr>
+                <a:srgbClr val="D04E1D"/>
+              </a:buClr>
+              <a:buFontTx/>
+              <a:buChar char="-"/>
+              <a:defRPr/>
+            </a:pPr>
+            <a:r>
+              <a:rPr lang="uk-UA" sz="1400" b="1" dirty="0" smtClean="0">
+                <a:solidFill>
+                  <a:srgbClr val="008000"/>
+                </a:solidFill>
+                <a:latin typeface="Segoe UI Light" panose="020B0502040204020203" pitchFamily="34" charset="0"/>
+                <a:ea typeface="+mj-ea"/>
+                <a:cs typeface="Segoe UI Light" panose="020B0502040204020203" pitchFamily="34" charset="0"/>
+              </a:rPr>
+              <a:t>Повна </a:t>
+            </a:r>
+            <a:r>
+              <a:rPr lang="uk-UA" sz="1400" b="1" dirty="0" err="1" smtClean="0">
+                <a:solidFill>
+                  <a:srgbClr val="008000"/>
+                </a:solidFill>
+                <a:latin typeface="Segoe UI Light" panose="020B0502040204020203" pitchFamily="34" charset="0"/>
+                <a:ea typeface="+mj-ea"/>
+                <a:cs typeface="Segoe UI Light" panose="020B0502040204020203" pitchFamily="34" charset="0"/>
+              </a:rPr>
+              <a:t>виборка</a:t>
+            </a:r>
+            <a:r>
+              <a:rPr lang="en-US" sz="1400" b="1" dirty="0" smtClean="0">
+                <a:solidFill>
+                  <a:srgbClr val="008000"/>
+                </a:solidFill>
+                <a:latin typeface="Segoe UI Light" panose="020B0502040204020203" pitchFamily="34" charset="0"/>
+                <a:ea typeface="+mj-ea"/>
+                <a:cs typeface="Segoe UI Light" panose="020B0502040204020203" pitchFamily="34" charset="0"/>
+              </a:rPr>
+              <a:t>: SELECT * FROM &lt;</a:t>
+            </a:r>
+            <a:r>
+              <a:rPr lang="en-US" sz="1400" b="1" dirty="0" err="1" smtClean="0">
+                <a:solidFill>
+                  <a:srgbClr val="008000"/>
+                </a:solidFill>
+                <a:latin typeface="Segoe UI Light" panose="020B0502040204020203" pitchFamily="34" charset="0"/>
+                <a:ea typeface="+mj-ea"/>
+                <a:cs typeface="Segoe UI Light" panose="020B0502040204020203" pitchFamily="34" charset="0"/>
+              </a:rPr>
+              <a:t>table_name</a:t>
+            </a:r>
+            <a:r>
+              <a:rPr lang="en-US" sz="1400" b="1" dirty="0" smtClean="0">
+                <a:solidFill>
+                  <a:srgbClr val="008000"/>
+                </a:solidFill>
+                <a:latin typeface="Segoe UI Light" panose="020B0502040204020203" pitchFamily="34" charset="0"/>
+                <a:ea typeface="+mj-ea"/>
+                <a:cs typeface="Segoe UI Light" panose="020B0502040204020203" pitchFamily="34" charset="0"/>
+              </a:rPr>
+              <a:t>&gt;;</a:t>
+            </a:r>
+          </a:p>
+          <a:p>
+            <a:pPr marL="285750" indent="-285750" fontAlgn="auto">
+              <a:lnSpc>
+                <a:spcPct val="150000"/>
+              </a:lnSpc>
+              <a:spcBef>
+                <a:spcPts val="0"/>
+              </a:spcBef>
+              <a:spcAft>
+                <a:spcPts val="0"/>
+              </a:spcAft>
+              <a:buClr>
+                <a:srgbClr val="D04E1D"/>
+              </a:buClr>
+              <a:buFontTx/>
+              <a:buChar char="-"/>
+              <a:defRPr/>
+            </a:pPr>
+            <a:r>
+              <a:rPr lang="uk-UA" sz="1400" b="1" dirty="0" err="1" smtClean="0">
+                <a:solidFill>
+                  <a:srgbClr val="008000"/>
+                </a:solidFill>
+                <a:latin typeface="Segoe UI Light" panose="020B0502040204020203" pitchFamily="34" charset="0"/>
+                <a:ea typeface="+mj-ea"/>
+                <a:cs typeface="Segoe UI Light" panose="020B0502040204020203" pitchFamily="34" charset="0"/>
+              </a:rPr>
+              <a:t>Виборка</a:t>
+            </a:r>
+            <a:r>
+              <a:rPr lang="uk-UA" sz="1400" b="1" dirty="0" smtClean="0">
+                <a:solidFill>
+                  <a:srgbClr val="008000"/>
+                </a:solidFill>
+                <a:latin typeface="Segoe UI Light" panose="020B0502040204020203" pitchFamily="34" charset="0"/>
+                <a:ea typeface="+mj-ea"/>
+                <a:cs typeface="Segoe UI Light" panose="020B0502040204020203" pitchFamily="34" charset="0"/>
+              </a:rPr>
+              <a:t> конкретних атрибутів</a:t>
+            </a:r>
+            <a:r>
+              <a:rPr lang="en-US" sz="1400" b="1" dirty="0" smtClean="0">
+                <a:solidFill>
+                  <a:srgbClr val="008000"/>
+                </a:solidFill>
+                <a:latin typeface="Segoe UI Light" panose="020B0502040204020203" pitchFamily="34" charset="0"/>
+                <a:ea typeface="+mj-ea"/>
+                <a:cs typeface="Segoe UI Light" panose="020B0502040204020203" pitchFamily="34" charset="0"/>
+              </a:rPr>
+              <a:t>: SELECT &lt;atr_1&gt;, &lt;atr_2&gt;, …, &lt;</a:t>
+            </a:r>
+            <a:r>
+              <a:rPr lang="en-US" sz="1400" b="1" dirty="0" err="1" smtClean="0">
+                <a:solidFill>
+                  <a:srgbClr val="008000"/>
+                </a:solidFill>
+                <a:latin typeface="Segoe UI Light" panose="020B0502040204020203" pitchFamily="34" charset="0"/>
+                <a:ea typeface="+mj-ea"/>
+                <a:cs typeface="Segoe UI Light" panose="020B0502040204020203" pitchFamily="34" charset="0"/>
+              </a:rPr>
+              <a:t>atr_n</a:t>
+            </a:r>
+            <a:r>
+              <a:rPr lang="en-US" sz="1400" b="1" dirty="0" smtClean="0">
+                <a:solidFill>
+                  <a:srgbClr val="008000"/>
+                </a:solidFill>
+                <a:latin typeface="Segoe UI Light" panose="020B0502040204020203" pitchFamily="34" charset="0"/>
+                <a:ea typeface="+mj-ea"/>
+                <a:cs typeface="Segoe UI Light" panose="020B0502040204020203" pitchFamily="34" charset="0"/>
+              </a:rPr>
+              <a:t>&gt; FROM &lt;</a:t>
+            </a:r>
+            <a:r>
+              <a:rPr lang="en-US" sz="1400" b="1" dirty="0" err="1" smtClean="0">
+                <a:solidFill>
+                  <a:srgbClr val="008000"/>
+                </a:solidFill>
+                <a:latin typeface="Segoe UI Light" panose="020B0502040204020203" pitchFamily="34" charset="0"/>
+                <a:ea typeface="+mj-ea"/>
+                <a:cs typeface="Segoe UI Light" panose="020B0502040204020203" pitchFamily="34" charset="0"/>
+              </a:rPr>
+              <a:t>table_name</a:t>
+            </a:r>
+            <a:r>
+              <a:rPr lang="en-US" sz="1400" b="1" dirty="0" smtClean="0">
+                <a:solidFill>
+                  <a:srgbClr val="008000"/>
+                </a:solidFill>
+                <a:latin typeface="Segoe UI Light" panose="020B0502040204020203" pitchFamily="34" charset="0"/>
+                <a:ea typeface="+mj-ea"/>
+                <a:cs typeface="Segoe UI Light" panose="020B0502040204020203" pitchFamily="34" charset="0"/>
+              </a:rPr>
+              <a:t>&gt;;</a:t>
+            </a:r>
+          </a:p>
+          <a:p>
+            <a:pPr marL="285750" indent="-285750" fontAlgn="auto">
+              <a:lnSpc>
+                <a:spcPct val="150000"/>
+              </a:lnSpc>
+              <a:spcBef>
+                <a:spcPts val="0"/>
+              </a:spcBef>
+              <a:spcAft>
+                <a:spcPts val="0"/>
+              </a:spcAft>
+              <a:buClr>
+                <a:srgbClr val="D04E1D"/>
+              </a:buClr>
+              <a:buFontTx/>
+              <a:buChar char="-"/>
+              <a:defRPr/>
+            </a:pPr>
+            <a:r>
+              <a:rPr lang="uk-UA" sz="1400" b="1" dirty="0" smtClean="0">
+                <a:solidFill>
+                  <a:srgbClr val="008000"/>
+                </a:solidFill>
+                <a:latin typeface="Segoe UI Light" panose="020B0502040204020203" pitchFamily="34" charset="0"/>
+                <a:ea typeface="+mj-ea"/>
+                <a:cs typeface="Segoe UI Light" panose="020B0502040204020203" pitchFamily="34" charset="0"/>
+              </a:rPr>
+              <a:t>Прості операції (+ - * </a:t>
+            </a:r>
+            <a:r>
+              <a:rPr lang="en-US" sz="1400" b="1" dirty="0" smtClean="0">
+                <a:solidFill>
+                  <a:srgbClr val="008000"/>
+                </a:solidFill>
+                <a:latin typeface="Segoe UI Light" panose="020B0502040204020203" pitchFamily="34" charset="0"/>
+                <a:ea typeface="+mj-ea"/>
+                <a:cs typeface="Segoe UI Light" panose="020B0502040204020203" pitchFamily="34" charset="0"/>
+              </a:rPr>
+              <a:t>/</a:t>
+            </a:r>
+            <a:r>
+              <a:rPr lang="uk-UA" sz="1400" b="1" dirty="0" smtClean="0">
+                <a:solidFill>
+                  <a:srgbClr val="008000"/>
+                </a:solidFill>
+                <a:latin typeface="Segoe UI Light" panose="020B0502040204020203" pitchFamily="34" charset="0"/>
+                <a:ea typeface="+mj-ea"/>
+                <a:cs typeface="Segoe UI Light" panose="020B0502040204020203" pitchFamily="34" charset="0"/>
+              </a:rPr>
+              <a:t>). </a:t>
+            </a:r>
+            <a:r>
+              <a:rPr lang="uk-UA" sz="1400" b="1" dirty="0" smtClean="0">
+                <a:solidFill>
+                  <a:srgbClr val="008000"/>
+                </a:solidFill>
+                <a:latin typeface="Segoe UI Light" panose="020B0502040204020203" pitchFamily="34" charset="0"/>
+                <a:ea typeface="+mj-ea"/>
+                <a:cs typeface="Segoe UI Light" panose="020B0502040204020203" pitchFamily="34" charset="0"/>
+                <a:hlinkClick r:id="rId3"/>
+              </a:rPr>
+              <a:t>Вбудовані функції.</a:t>
+            </a:r>
+            <a:endParaRPr lang="uk-UA" sz="1400" b="1" dirty="0" smtClean="0">
+              <a:solidFill>
+                <a:srgbClr val="008000"/>
+              </a:solidFill>
+              <a:latin typeface="Segoe UI Light" panose="020B0502040204020203" pitchFamily="34" charset="0"/>
+              <a:ea typeface="+mj-ea"/>
+              <a:cs typeface="Segoe UI Light" panose="020B0502040204020203" pitchFamily="34" charset="0"/>
+            </a:endParaRPr>
+          </a:p>
+          <a:p>
+            <a:pPr marL="285750" indent="-285750" fontAlgn="auto">
+              <a:lnSpc>
+                <a:spcPct val="150000"/>
+              </a:lnSpc>
+              <a:spcBef>
+                <a:spcPts val="0"/>
+              </a:spcBef>
+              <a:spcAft>
+                <a:spcPts val="0"/>
+              </a:spcAft>
+              <a:buClr>
+                <a:srgbClr val="D04E1D"/>
+              </a:buClr>
+              <a:buFontTx/>
+              <a:buChar char="-"/>
+              <a:defRPr/>
+            </a:pPr>
+            <a:r>
+              <a:rPr lang="en-US" sz="1400" b="1" dirty="0" smtClean="0">
+                <a:solidFill>
+                  <a:srgbClr val="008000"/>
+                </a:solidFill>
+                <a:latin typeface="Segoe UI Light" panose="020B0502040204020203" pitchFamily="34" charset="0"/>
+                <a:ea typeface="+mj-ea"/>
+                <a:cs typeface="Segoe UI Light" panose="020B0502040204020203" pitchFamily="34" charset="0"/>
+              </a:rPr>
+              <a:t>DISTINCT</a:t>
+            </a:r>
+            <a:endParaRPr lang="uk-UA" sz="1400" b="1" dirty="0" smtClean="0">
+              <a:solidFill>
+                <a:srgbClr val="008000"/>
+              </a:solidFill>
+              <a:latin typeface="Segoe UI Light" panose="020B0502040204020203" pitchFamily="34" charset="0"/>
+              <a:ea typeface="+mj-ea"/>
+              <a:cs typeface="Segoe UI Light" panose="020B0502040204020203" pitchFamily="34" charset="0"/>
+            </a:endParaRPr>
+          </a:p>
+          <a:p>
+            <a:pPr marL="285750" indent="-285750" fontAlgn="auto">
+              <a:lnSpc>
+                <a:spcPct val="150000"/>
+              </a:lnSpc>
+              <a:spcBef>
+                <a:spcPts val="0"/>
+              </a:spcBef>
+              <a:spcAft>
+                <a:spcPts val="0"/>
+              </a:spcAft>
+              <a:buClr>
+                <a:srgbClr val="D04E1D"/>
+              </a:buClr>
+              <a:buFontTx/>
+              <a:buChar char="-"/>
+              <a:defRPr/>
+            </a:pPr>
+            <a:r>
+              <a:rPr lang="en-US" sz="1400" b="1" dirty="0" smtClean="0">
+                <a:solidFill>
+                  <a:srgbClr val="008000"/>
+                </a:solidFill>
+                <a:latin typeface="Segoe UI Light" panose="020B0502040204020203" pitchFamily="34" charset="0"/>
+                <a:ea typeface="+mj-ea"/>
+                <a:cs typeface="Segoe UI Light" panose="020B0502040204020203" pitchFamily="34" charset="0"/>
+              </a:rPr>
+              <a:t>COUNT</a:t>
+            </a:r>
+          </a:p>
+          <a:p>
+            <a:pPr marL="285750" indent="-285750" fontAlgn="auto">
+              <a:lnSpc>
+                <a:spcPct val="150000"/>
+              </a:lnSpc>
+              <a:spcBef>
+                <a:spcPts val="0"/>
+              </a:spcBef>
+              <a:spcAft>
+                <a:spcPts val="0"/>
+              </a:spcAft>
+              <a:buClr>
+                <a:srgbClr val="D04E1D"/>
+              </a:buClr>
+              <a:buFontTx/>
+              <a:buChar char="-"/>
+              <a:defRPr/>
+            </a:pPr>
+            <a:r>
+              <a:rPr lang="en-US" sz="1400" b="1" dirty="0" smtClean="0">
+                <a:solidFill>
+                  <a:srgbClr val="008000"/>
+                </a:solidFill>
+                <a:latin typeface="Segoe UI Light" panose="020B0502040204020203" pitchFamily="34" charset="0"/>
+                <a:ea typeface="+mj-ea"/>
+                <a:cs typeface="Segoe UI Light" panose="020B0502040204020203" pitchFamily="34" charset="0"/>
+              </a:rPr>
+              <a:t>WHERE</a:t>
+            </a:r>
+          </a:p>
+          <a:p>
+            <a:pPr marL="285750" indent="-285750" fontAlgn="auto">
+              <a:lnSpc>
+                <a:spcPct val="150000"/>
+              </a:lnSpc>
+              <a:spcBef>
+                <a:spcPts val="0"/>
+              </a:spcBef>
+              <a:spcAft>
+                <a:spcPts val="0"/>
+              </a:spcAft>
+              <a:buClr>
+                <a:srgbClr val="D04E1D"/>
+              </a:buClr>
+              <a:buFontTx/>
+              <a:buChar char="-"/>
+              <a:defRPr/>
+            </a:pPr>
+            <a:r>
+              <a:rPr lang="en-US" sz="1400" b="1" dirty="0" smtClean="0">
+                <a:solidFill>
+                  <a:srgbClr val="008000"/>
+                </a:solidFill>
+                <a:latin typeface="Segoe UI Light" panose="020B0502040204020203" pitchFamily="34" charset="0"/>
+                <a:ea typeface="+mj-ea"/>
+                <a:cs typeface="Segoe UI Light" panose="020B0502040204020203" pitchFamily="34" charset="0"/>
+              </a:rPr>
+              <a:t>AND, OR</a:t>
+            </a:r>
+          </a:p>
+          <a:p>
+            <a:pPr marL="285750" indent="-285750" fontAlgn="auto">
+              <a:lnSpc>
+                <a:spcPct val="150000"/>
+              </a:lnSpc>
+              <a:spcBef>
+                <a:spcPts val="0"/>
+              </a:spcBef>
+              <a:spcAft>
+                <a:spcPts val="0"/>
+              </a:spcAft>
+              <a:buClr>
+                <a:srgbClr val="D04E1D"/>
+              </a:buClr>
+              <a:buFontTx/>
+              <a:buChar char="-"/>
+              <a:defRPr/>
+            </a:pPr>
+            <a:r>
+              <a:rPr lang="en-US" sz="1400" b="1" dirty="0" smtClean="0">
+                <a:solidFill>
+                  <a:srgbClr val="008000"/>
+                </a:solidFill>
+                <a:latin typeface="Segoe UI Light" panose="020B0502040204020203" pitchFamily="34" charset="0"/>
+                <a:ea typeface="+mj-ea"/>
+                <a:cs typeface="Segoe UI Light" panose="020B0502040204020203" pitchFamily="34" charset="0"/>
+              </a:rPr>
+              <a:t>BETWEEN</a:t>
+            </a:r>
+          </a:p>
+          <a:p>
+            <a:pPr marL="285750" indent="-285750" fontAlgn="auto">
+              <a:lnSpc>
+                <a:spcPct val="150000"/>
+              </a:lnSpc>
+              <a:spcBef>
+                <a:spcPts val="0"/>
+              </a:spcBef>
+              <a:spcAft>
+                <a:spcPts val="0"/>
+              </a:spcAft>
+              <a:buClr>
+                <a:srgbClr val="D04E1D"/>
+              </a:buClr>
+              <a:buFontTx/>
+              <a:buChar char="-"/>
+              <a:defRPr/>
+            </a:pPr>
+            <a:r>
+              <a:rPr lang="en-US" sz="1400" b="1" dirty="0" smtClean="0">
+                <a:solidFill>
+                  <a:srgbClr val="008000"/>
+                </a:solidFill>
+                <a:latin typeface="Segoe UI Light" panose="020B0502040204020203" pitchFamily="34" charset="0"/>
+                <a:ea typeface="+mj-ea"/>
+                <a:cs typeface="Segoe UI Light" panose="020B0502040204020203" pitchFamily="34" charset="0"/>
+              </a:rPr>
+              <a:t>IN, NOT IN</a:t>
+            </a:r>
+          </a:p>
+          <a:p>
+            <a:pPr marL="285750" indent="-285750" fontAlgn="auto">
+              <a:lnSpc>
+                <a:spcPct val="150000"/>
+              </a:lnSpc>
+              <a:spcBef>
+                <a:spcPts val="0"/>
+              </a:spcBef>
+              <a:spcAft>
+                <a:spcPts val="0"/>
+              </a:spcAft>
+              <a:buClr>
+                <a:srgbClr val="D04E1D"/>
+              </a:buClr>
+              <a:buFontTx/>
+              <a:buChar char="-"/>
+              <a:defRPr/>
+            </a:pPr>
+            <a:r>
+              <a:rPr lang="en-US" sz="1400" b="1" dirty="0" smtClean="0">
+                <a:solidFill>
+                  <a:srgbClr val="008000"/>
+                </a:solidFill>
+                <a:latin typeface="Segoe UI Light" panose="020B0502040204020203" pitchFamily="34" charset="0"/>
+                <a:ea typeface="+mj-ea"/>
+                <a:cs typeface="Segoe UI Light" panose="020B0502040204020203" pitchFamily="34" charset="0"/>
+              </a:rPr>
+              <a:t>ORDER BY</a:t>
+            </a:r>
+          </a:p>
+          <a:p>
+            <a:pPr marL="285750" indent="-285750" fontAlgn="auto">
+              <a:lnSpc>
+                <a:spcPct val="150000"/>
+              </a:lnSpc>
+              <a:spcBef>
+                <a:spcPts val="0"/>
+              </a:spcBef>
+              <a:spcAft>
+                <a:spcPts val="0"/>
+              </a:spcAft>
+              <a:buClr>
+                <a:srgbClr val="D04E1D"/>
+              </a:buClr>
+              <a:buFontTx/>
+              <a:buChar char="-"/>
+              <a:defRPr/>
+            </a:pPr>
+            <a:r>
+              <a:rPr lang="en-US" sz="1400" b="1" dirty="0" smtClean="0">
+                <a:solidFill>
+                  <a:srgbClr val="008000"/>
+                </a:solidFill>
+                <a:latin typeface="Segoe UI Light" panose="020B0502040204020203" pitchFamily="34" charset="0"/>
+                <a:ea typeface="+mj-ea"/>
+                <a:cs typeface="Segoe UI Light" panose="020B0502040204020203" pitchFamily="34" charset="0"/>
+              </a:rPr>
+              <a:t>MIN, MAX, AVG</a:t>
+            </a:r>
+          </a:p>
+          <a:p>
+            <a:pPr marL="285750" indent="-285750" fontAlgn="auto">
+              <a:lnSpc>
+                <a:spcPct val="150000"/>
+              </a:lnSpc>
+              <a:spcBef>
+                <a:spcPts val="0"/>
+              </a:spcBef>
+              <a:spcAft>
+                <a:spcPts val="0"/>
+              </a:spcAft>
+              <a:buClr>
+                <a:srgbClr val="D04E1D"/>
+              </a:buClr>
+              <a:buFontTx/>
+              <a:buChar char="-"/>
+              <a:defRPr/>
+            </a:pPr>
+            <a:r>
+              <a:rPr lang="en-US" sz="1400" b="1" dirty="0" smtClean="0">
+                <a:solidFill>
+                  <a:srgbClr val="008000"/>
+                </a:solidFill>
+                <a:latin typeface="Segoe UI Light" panose="020B0502040204020203" pitchFamily="34" charset="0"/>
+                <a:ea typeface="+mj-ea"/>
+                <a:cs typeface="Segoe UI Light" panose="020B0502040204020203" pitchFamily="34" charset="0"/>
+              </a:rPr>
+              <a:t>LIKE</a:t>
+            </a:r>
+            <a:endParaRPr lang="uk-UA" sz="1400" b="1" dirty="0" smtClean="0">
+              <a:solidFill>
+                <a:srgbClr val="008000"/>
+              </a:solidFill>
+              <a:latin typeface="Segoe UI Light" panose="020B0502040204020203" pitchFamily="34" charset="0"/>
+              <a:ea typeface="+mj-ea"/>
+              <a:cs typeface="Segoe UI Light" panose="020B0502040204020203" pitchFamily="34" charset="0"/>
+            </a:endParaRPr>
+          </a:p>
+          <a:p>
+            <a:pPr marL="285750" indent="-285750" fontAlgn="auto">
+              <a:lnSpc>
+                <a:spcPct val="150000"/>
+              </a:lnSpc>
+              <a:spcBef>
+                <a:spcPts val="0"/>
+              </a:spcBef>
+              <a:spcAft>
+                <a:spcPts val="0"/>
+              </a:spcAft>
+              <a:buClr>
+                <a:srgbClr val="D04E1D"/>
+              </a:buClr>
+              <a:buFontTx/>
+              <a:buChar char="-"/>
+              <a:defRPr/>
+            </a:pPr>
+            <a:r>
+              <a:rPr lang="en-US" sz="1400" b="1" dirty="0" smtClean="0">
+                <a:solidFill>
+                  <a:srgbClr val="008000"/>
+                </a:solidFill>
+                <a:latin typeface="Segoe UI Light" panose="020B0502040204020203" pitchFamily="34" charset="0"/>
+                <a:ea typeface="+mj-ea"/>
+                <a:cs typeface="Segoe UI Light" panose="020B0502040204020203" pitchFamily="34" charset="0"/>
+              </a:rPr>
+              <a:t>GROUP BY</a:t>
+            </a:r>
+          </a:p>
+          <a:p>
+            <a:pPr marL="285750" indent="-285750" fontAlgn="auto">
+              <a:lnSpc>
+                <a:spcPct val="150000"/>
+              </a:lnSpc>
+              <a:spcBef>
+                <a:spcPts val="0"/>
+              </a:spcBef>
+              <a:spcAft>
+                <a:spcPts val="0"/>
+              </a:spcAft>
+              <a:buClr>
+                <a:srgbClr val="D04E1D"/>
+              </a:buClr>
+              <a:buFontTx/>
+              <a:buChar char="-"/>
+              <a:defRPr/>
+            </a:pPr>
+            <a:endParaRPr lang="en-US" sz="1400" b="1" dirty="0" smtClean="0">
+              <a:solidFill>
+                <a:srgbClr val="008000"/>
+              </a:solidFill>
+              <a:latin typeface="Segoe UI Light" panose="020B0502040204020203" pitchFamily="34" charset="0"/>
+              <a:ea typeface="+mj-ea"/>
+              <a:cs typeface="Segoe UI Light" panose="020B0502040204020203" pitchFamily="34" charset="0"/>
+            </a:endParaRPr>
+          </a:p>
+        </p:txBody>
+      </p:sp>
+      <p:sp>
+        <p:nvSpPr>
+          <p:cNvPr id="17" name="Rectangle 1">
+            <a:extLst>
+              <a:ext uri="{FF2B5EF4-FFF2-40B4-BE49-F238E27FC236}">
+                <a16:creationId xmlns:a16="http://schemas.microsoft.com/office/drawing/2014/main" id="{D44BFF99-1D09-49FF-9357-829BB406E568}"/>
+              </a:ext>
+            </a:extLst>
+          </p:cNvPr>
+          <p:cNvSpPr/>
+          <p:nvPr/>
+        </p:nvSpPr>
+        <p:spPr>
+          <a:xfrm>
+            <a:off x="6324600" y="1591767"/>
+            <a:ext cx="4724400" cy="4636642"/>
+          </a:xfrm>
+          <a:prstGeom prst="rect">
+            <a:avLst/>
+          </a:prstGeom>
+          <a:noFill/>
+          <a:ln>
+            <a:noFill/>
+          </a:ln>
+        </p:spPr>
+        <p:style>
+          <a:lnRef idx="2">
+            <a:schemeClr val="accent1">
+              <a:shade val="50000"/>
+            </a:schemeClr>
+          </a:lnRef>
+          <a:fillRef idx="1">
+            <a:schemeClr val="accent1"/>
+          </a:fillRef>
+          <a:effectRef idx="0">
+            <a:schemeClr val="accent1"/>
+          </a:effectRef>
+          <a:fontRef idx="minor">
+            <a:schemeClr val="lt1"/>
+          </a:fontRef>
+        </p:style>
+        <p:txBody>
+          <a:bodyPr/>
+          <a:lstStyle/>
+          <a:p>
+            <a:pPr marL="285750" indent="-285750" fontAlgn="auto">
+              <a:lnSpc>
+                <a:spcPct val="150000"/>
+              </a:lnSpc>
+              <a:spcBef>
+                <a:spcPts val="0"/>
+              </a:spcBef>
+              <a:spcAft>
+                <a:spcPts val="0"/>
+              </a:spcAft>
+              <a:buClr>
+                <a:srgbClr val="D04E1D"/>
+              </a:buClr>
+              <a:buFontTx/>
+              <a:buChar char="-"/>
+              <a:defRPr/>
+            </a:pPr>
+            <a:r>
+              <a:rPr lang="en-US" sz="1400" b="1" dirty="0" smtClean="0">
+                <a:solidFill>
+                  <a:srgbClr val="008000"/>
+                </a:solidFill>
+                <a:latin typeface="Segoe UI Light" panose="020B0502040204020203" pitchFamily="34" charset="0"/>
+                <a:ea typeface="+mj-ea"/>
+                <a:cs typeface="Segoe UI Light" panose="020B0502040204020203" pitchFamily="34" charset="0"/>
+              </a:rPr>
+              <a:t>JOIN</a:t>
+            </a:r>
+          </a:p>
+          <a:p>
+            <a:pPr marL="742950" lvl="1" indent="-285750">
+              <a:lnSpc>
+                <a:spcPct val="150000"/>
+              </a:lnSpc>
+              <a:buClr>
+                <a:srgbClr val="D04E1D"/>
+              </a:buClr>
+              <a:buFontTx/>
+              <a:buChar char="-"/>
+              <a:defRPr/>
+            </a:pPr>
+            <a:r>
+              <a:rPr lang="en-US" sz="1400" b="1" dirty="0" smtClean="0">
+                <a:solidFill>
+                  <a:srgbClr val="008000"/>
+                </a:solidFill>
+                <a:latin typeface="Segoe UI Light" panose="020B0502040204020203" pitchFamily="34" charset="0"/>
+                <a:ea typeface="+mj-ea"/>
+                <a:cs typeface="Segoe UI Light" panose="020B0502040204020203" pitchFamily="34" charset="0"/>
+              </a:rPr>
+              <a:t>INNER  JOIN</a:t>
+            </a:r>
+          </a:p>
+          <a:p>
+            <a:pPr marL="742950" lvl="1" indent="-285750">
+              <a:lnSpc>
+                <a:spcPct val="150000"/>
+              </a:lnSpc>
+              <a:buClr>
+                <a:srgbClr val="D04E1D"/>
+              </a:buClr>
+              <a:buFontTx/>
+              <a:buChar char="-"/>
+              <a:defRPr/>
+            </a:pPr>
+            <a:r>
+              <a:rPr lang="en-US" sz="1400" b="1" dirty="0" smtClean="0">
+                <a:solidFill>
+                  <a:srgbClr val="008000"/>
+                </a:solidFill>
+                <a:latin typeface="Segoe UI Light" panose="020B0502040204020203" pitchFamily="34" charset="0"/>
+                <a:ea typeface="+mj-ea"/>
+                <a:cs typeface="Segoe UI Light" panose="020B0502040204020203" pitchFamily="34" charset="0"/>
+              </a:rPr>
+              <a:t>LEFT JOIN, </a:t>
+            </a:r>
+            <a:r>
+              <a:rPr lang="en-US" sz="1400" u="sng" dirty="0" smtClean="0">
+                <a:solidFill>
+                  <a:srgbClr val="008000"/>
+                </a:solidFill>
+                <a:latin typeface="Segoe UI Light" panose="020B0502040204020203" pitchFamily="34" charset="0"/>
+                <a:ea typeface="+mj-ea"/>
+                <a:cs typeface="Segoe UI Light" panose="020B0502040204020203" pitchFamily="34" charset="0"/>
+              </a:rPr>
+              <a:t>RIGHT JOIN</a:t>
+            </a:r>
+          </a:p>
+          <a:p>
+            <a:pPr marL="742950" lvl="1" indent="-285750">
+              <a:lnSpc>
+                <a:spcPct val="150000"/>
+              </a:lnSpc>
+              <a:buClr>
+                <a:srgbClr val="D04E1D"/>
+              </a:buClr>
+              <a:buFontTx/>
+              <a:buChar char="-"/>
+              <a:defRPr/>
+            </a:pPr>
+            <a:r>
+              <a:rPr lang="en-US" sz="1400" u="sng" dirty="0" smtClean="0">
+                <a:solidFill>
+                  <a:srgbClr val="008000"/>
+                </a:solidFill>
+                <a:latin typeface="Segoe UI Light" panose="020B0502040204020203" pitchFamily="34" charset="0"/>
+                <a:ea typeface="+mj-ea"/>
+                <a:cs typeface="Segoe UI Light" panose="020B0502040204020203" pitchFamily="34" charset="0"/>
+              </a:rPr>
+              <a:t>FULL JOIN</a:t>
+            </a:r>
+          </a:p>
+          <a:p>
+            <a:pPr lvl="1">
+              <a:lnSpc>
+                <a:spcPct val="150000"/>
+              </a:lnSpc>
+              <a:buClr>
+                <a:srgbClr val="D04E1D"/>
+              </a:buClr>
+              <a:defRPr/>
+            </a:pPr>
+            <a:endParaRPr lang="en-US" sz="1400" b="1" dirty="0" smtClean="0">
+              <a:solidFill>
+                <a:srgbClr val="008000"/>
+              </a:solidFill>
+              <a:latin typeface="Segoe UI Light" panose="020B0502040204020203" pitchFamily="34" charset="0"/>
+              <a:ea typeface="+mj-ea"/>
+              <a:cs typeface="Segoe UI Light" panose="020B0502040204020203" pitchFamily="34" charset="0"/>
+            </a:endParaRPr>
+          </a:p>
+          <a:p>
+            <a:pPr marL="285750" indent="-285750" fontAlgn="auto">
+              <a:lnSpc>
+                <a:spcPct val="150000"/>
+              </a:lnSpc>
+              <a:spcBef>
+                <a:spcPts val="0"/>
+              </a:spcBef>
+              <a:spcAft>
+                <a:spcPts val="0"/>
+              </a:spcAft>
+              <a:buClr>
+                <a:srgbClr val="D04E1D"/>
+              </a:buClr>
+              <a:buFontTx/>
+              <a:buChar char="-"/>
+              <a:defRPr/>
+            </a:pPr>
+            <a:endParaRPr lang="en-US" sz="1400" b="1" dirty="0" smtClean="0">
+              <a:solidFill>
+                <a:srgbClr val="008000"/>
+              </a:solidFill>
+              <a:latin typeface="Segoe UI Light" panose="020B0502040204020203" pitchFamily="34" charset="0"/>
+              <a:ea typeface="+mj-ea"/>
+              <a:cs typeface="Segoe UI Light" panose="020B0502040204020203" pitchFamily="34" charset="0"/>
+            </a:endParaRPr>
+          </a:p>
+        </p:txBody>
+      </p:sp>
+      <p:sp>
+        <p:nvSpPr>
+          <p:cNvPr id="22" name="Rectangle 1">
+            <a:extLst>
+              <a:ext uri="{FF2B5EF4-FFF2-40B4-BE49-F238E27FC236}">
+                <a16:creationId xmlns:a16="http://schemas.microsoft.com/office/drawing/2014/main" id="{D44BFF99-1D09-49FF-9357-829BB406E568}"/>
+              </a:ext>
+            </a:extLst>
+          </p:cNvPr>
+          <p:cNvSpPr/>
+          <p:nvPr/>
+        </p:nvSpPr>
+        <p:spPr>
+          <a:xfrm>
+            <a:off x="3581400" y="3774400"/>
+            <a:ext cx="7696200" cy="1765355"/>
+          </a:xfrm>
+          <a:prstGeom prst="rect">
+            <a:avLst/>
+          </a:prstGeom>
+          <a:noFill/>
+          <a:ln>
+            <a:noFill/>
+          </a:ln>
+        </p:spPr>
+        <p:style>
+          <a:lnRef idx="2">
+            <a:schemeClr val="accent1">
+              <a:shade val="50000"/>
+            </a:schemeClr>
+          </a:lnRef>
+          <a:fillRef idx="1">
+            <a:schemeClr val="accent1"/>
+          </a:fillRef>
+          <a:effectRef idx="0">
+            <a:schemeClr val="accent1"/>
+          </a:effectRef>
+          <a:fontRef idx="minor">
+            <a:schemeClr val="lt1"/>
+          </a:fontRef>
+        </p:style>
+        <p:txBody>
+          <a:bodyPr/>
+          <a:lstStyle/>
+          <a:p>
+            <a:pPr fontAlgn="auto">
+              <a:lnSpc>
+                <a:spcPct val="150000"/>
+              </a:lnSpc>
+              <a:spcBef>
+                <a:spcPts val="0"/>
+              </a:spcBef>
+              <a:spcAft>
+                <a:spcPts val="0"/>
+              </a:spcAft>
+              <a:buClr>
+                <a:srgbClr val="D04E1D"/>
+              </a:buClr>
+              <a:defRPr/>
+            </a:pPr>
+            <a:r>
+              <a:rPr lang="uk-UA" sz="1400" b="1" dirty="0" smtClean="0">
+                <a:solidFill>
+                  <a:srgbClr val="008000"/>
+                </a:solidFill>
+                <a:latin typeface="Segoe UI Light" panose="020B0502040204020203" pitchFamily="34" charset="0"/>
+                <a:ea typeface="+mj-ea"/>
+                <a:cs typeface="Segoe UI Light" panose="020B0502040204020203" pitchFamily="34" charset="0"/>
+              </a:rPr>
+              <a:t>Основна частина матеріалу і прикладів для цієї частини </a:t>
+            </a:r>
+            <a:r>
+              <a:rPr lang="uk-UA" sz="1400" b="1" dirty="0" err="1" smtClean="0">
+                <a:solidFill>
+                  <a:srgbClr val="008000"/>
+                </a:solidFill>
+                <a:latin typeface="Segoe UI Light" panose="020B0502040204020203" pitchFamily="34" charset="0"/>
+                <a:ea typeface="+mj-ea"/>
+                <a:cs typeface="Segoe UI Light" panose="020B0502040204020203" pitchFamily="34" charset="0"/>
+              </a:rPr>
+              <a:t>вебінару</a:t>
+            </a:r>
+            <a:r>
+              <a:rPr lang="uk-UA" sz="1400" b="1" dirty="0" smtClean="0">
+                <a:solidFill>
+                  <a:srgbClr val="008000"/>
+                </a:solidFill>
+                <a:latin typeface="Segoe UI Light" panose="020B0502040204020203" pitchFamily="34" charset="0"/>
+                <a:ea typeface="+mj-ea"/>
+                <a:cs typeface="Segoe UI Light" panose="020B0502040204020203" pitchFamily="34" charset="0"/>
+              </a:rPr>
+              <a:t> має прикладний характер і максимально ефективність досягається при практичному виконання разом з викладачем, а потім самостійно. Тому весь цей матеріал зосереджений у конспекті лекції – </a:t>
+            </a:r>
+            <a:r>
+              <a:rPr lang="en-US" sz="1400" b="1" dirty="0" err="1" smtClean="0">
+                <a:solidFill>
+                  <a:srgbClr val="008000"/>
+                </a:solidFill>
+                <a:latin typeface="Segoe UI Light" panose="020B0502040204020203" pitchFamily="34" charset="0"/>
+                <a:ea typeface="+mj-ea"/>
+                <a:cs typeface="Segoe UI Light" panose="020B0502040204020203" pitchFamily="34" charset="0"/>
+              </a:rPr>
+              <a:t>intro_in_SQL_and_SQLite.ipynb</a:t>
+            </a:r>
+            <a:endParaRPr lang="en-US" sz="1400" b="1" dirty="0" smtClean="0">
+              <a:solidFill>
+                <a:srgbClr val="008000"/>
+              </a:solidFill>
+              <a:latin typeface="Segoe UI Light" panose="020B0502040204020203" pitchFamily="34" charset="0"/>
+              <a:ea typeface="+mj-ea"/>
+              <a:cs typeface="Segoe UI Light" panose="020B0502040204020203" pitchFamily="34" charset="0"/>
+            </a:endParaRPr>
+          </a:p>
+          <a:p>
+            <a:pPr algn="r" fontAlgn="auto">
+              <a:lnSpc>
+                <a:spcPct val="150000"/>
+              </a:lnSpc>
+              <a:spcBef>
+                <a:spcPts val="0"/>
+              </a:spcBef>
+              <a:spcAft>
+                <a:spcPts val="0"/>
+              </a:spcAft>
+              <a:buClr>
+                <a:srgbClr val="D04E1D"/>
+              </a:buClr>
+              <a:defRPr/>
+            </a:pPr>
+            <a:r>
+              <a:rPr lang="uk-UA" sz="1400" b="1" dirty="0" smtClean="0">
+                <a:solidFill>
+                  <a:srgbClr val="008000"/>
+                </a:solidFill>
+                <a:latin typeface="Segoe UI Light" panose="020B0502040204020203" pitchFamily="34" charset="0"/>
+                <a:ea typeface="+mj-ea"/>
+                <a:cs typeface="Segoe UI Light" panose="020B0502040204020203" pitchFamily="34" charset="0"/>
+              </a:rPr>
+              <a:t>Запрошую перейти)</a:t>
+            </a:r>
+            <a:endParaRPr lang="en-US" sz="1400" b="1" dirty="0" smtClean="0">
+              <a:solidFill>
+                <a:srgbClr val="008000"/>
+              </a:solidFill>
+              <a:latin typeface="Segoe UI Light" panose="020B0502040204020203" pitchFamily="34" charset="0"/>
+              <a:ea typeface="+mj-ea"/>
+              <a:cs typeface="Segoe UI Light" panose="020B0502040204020203" pitchFamily="34" charset="0"/>
+            </a:endParaRPr>
+          </a:p>
+        </p:txBody>
+      </p:sp>
+    </p:spTree>
+    <p:extLst>
+      <p:ext uri="{BB962C8B-B14F-4D97-AF65-F5344CB8AC3E}">
+        <p14:creationId xmlns:p14="http://schemas.microsoft.com/office/powerpoint/2010/main" val="3163905266"/>
+      </p:ext>
+    </p:extLst>
+  </p:cSld>
+  <p:clrMapOvr>
+    <a:masterClrMapping/>
+  </p:clrMapOvr>
+  <p:transition spd="slow">
+    <p:cover/>
+  </p:transition>
+</p:sld>
+</file>
+
+<file path=ppt/slides/slide18.xml><?xml version="1.0" encoding="utf-8"?>
 <p:sld xmlns:a="http://schemas.openxmlformats.org/drawingml/2006/main" xmlns:r="http://schemas.openxmlformats.org/officeDocument/2006/relationships" xmlns:p="http://schemas.openxmlformats.org/presentationml/2006/main">
   <p:cSld>
     <p:spTree>
@@ -17240,18 +19224,7 @@
                 <a:ea typeface="+mj-ea"/>
                 <a:cs typeface="Segoe UI Light" panose="020B0502040204020203" pitchFamily="34" charset="0"/>
               </a:rPr>
-              <a:t>: </a:t>
-            </a:r>
-            <a:r>
-              <a:rPr lang="en-US" sz="1400" dirty="0" smtClean="0">
-                <a:solidFill>
-                  <a:srgbClr val="008000"/>
-                </a:solidFill>
-                <a:latin typeface="Segoe UI Light" panose="020B0502040204020203" pitchFamily="34" charset="0"/>
-                <a:ea typeface="+mj-ea"/>
-                <a:cs typeface="Segoe UI Light" panose="020B0502040204020203" pitchFamily="34" charset="0"/>
-              </a:rPr>
-              <a:t>UML, </a:t>
+              <a:t>: UML, </a:t>
             </a:r>
             <a:r>
               <a:rPr lang="uk-UA" sz="1400" dirty="0" smtClean="0">
